--- a/Presentación.pptx
+++ b/Presentación.pptx
@@ -109,6 +109,11 @@
       </a:defRPr>
     </a:lvl9pPr>
   </p:defaultTextStyle>
+  <p:extLst>
+    <p:ext uri="{EFAFB233-063F-42B5-8137-9DF3F51BA10A}">
+      <p15:sldGuideLst xmlns:p15="http://schemas.microsoft.com/office/powerpoint/2012/main"/>
+    </p:ext>
+  </p:extLst>
 </p:presentation>
 </file>
 
@@ -261,7 +266,7 @@
           <a:p>
             <a:fld id="{BA6E16F5-2175-476A-8083-99F631C74847}" type="datetimeFigureOut">
               <a:rPr lang="es-CR" smtClean="0"/>
-              <a:t>1/6/2020</a:t>
+              <a:t>2/6/2020</a:t>
             </a:fld>
             <a:endParaRPr lang="es-CR"/>
           </a:p>
@@ -315,7 +320,7 @@
           <a:p>
             <a:fld id="{74BAADB7-6BF4-40B2-9807-9C19386122AC}" type="slidenum">
               <a:rPr lang="es-CR" smtClean="0"/>
-              <a:t>‹Nº›</a:t>
+              <a:t>‹#›</a:t>
             </a:fld>
             <a:endParaRPr lang="es-CR"/>
           </a:p>
@@ -461,7 +466,7 @@
           <a:p>
             <a:fld id="{BA6E16F5-2175-476A-8083-99F631C74847}" type="datetimeFigureOut">
               <a:rPr lang="es-CR" smtClean="0"/>
-              <a:t>1/6/2020</a:t>
+              <a:t>2/6/2020</a:t>
             </a:fld>
             <a:endParaRPr lang="es-CR"/>
           </a:p>
@@ -515,7 +520,7 @@
           <a:p>
             <a:fld id="{74BAADB7-6BF4-40B2-9807-9C19386122AC}" type="slidenum">
               <a:rPr lang="es-CR" smtClean="0"/>
-              <a:t>‹Nº›</a:t>
+              <a:t>‹#›</a:t>
             </a:fld>
             <a:endParaRPr lang="es-CR"/>
           </a:p>
@@ -671,7 +676,7 @@
           <a:p>
             <a:fld id="{BA6E16F5-2175-476A-8083-99F631C74847}" type="datetimeFigureOut">
               <a:rPr lang="es-CR" smtClean="0"/>
-              <a:t>1/6/2020</a:t>
+              <a:t>2/6/2020</a:t>
             </a:fld>
             <a:endParaRPr lang="es-CR"/>
           </a:p>
@@ -725,7 +730,7 @@
           <a:p>
             <a:fld id="{74BAADB7-6BF4-40B2-9807-9C19386122AC}" type="slidenum">
               <a:rPr lang="es-CR" smtClean="0"/>
-              <a:t>‹Nº›</a:t>
+              <a:t>‹#›</a:t>
             </a:fld>
             <a:endParaRPr lang="es-CR"/>
           </a:p>
@@ -871,7 +876,7 @@
           <a:p>
             <a:fld id="{BA6E16F5-2175-476A-8083-99F631C74847}" type="datetimeFigureOut">
               <a:rPr lang="es-CR" smtClean="0"/>
-              <a:t>1/6/2020</a:t>
+              <a:t>2/6/2020</a:t>
             </a:fld>
             <a:endParaRPr lang="es-CR"/>
           </a:p>
@@ -925,7 +930,7 @@
           <a:p>
             <a:fld id="{74BAADB7-6BF4-40B2-9807-9C19386122AC}" type="slidenum">
               <a:rPr lang="es-CR" smtClean="0"/>
-              <a:t>‹Nº›</a:t>
+              <a:t>‹#›</a:t>
             </a:fld>
             <a:endParaRPr lang="es-CR"/>
           </a:p>
@@ -1147,7 +1152,7 @@
           <a:p>
             <a:fld id="{BA6E16F5-2175-476A-8083-99F631C74847}" type="datetimeFigureOut">
               <a:rPr lang="es-CR" smtClean="0"/>
-              <a:t>1/6/2020</a:t>
+              <a:t>2/6/2020</a:t>
             </a:fld>
             <a:endParaRPr lang="es-CR"/>
           </a:p>
@@ -1201,7 +1206,7 @@
           <a:p>
             <a:fld id="{74BAADB7-6BF4-40B2-9807-9C19386122AC}" type="slidenum">
               <a:rPr lang="es-CR" smtClean="0"/>
-              <a:t>‹Nº›</a:t>
+              <a:t>‹#›</a:t>
             </a:fld>
             <a:endParaRPr lang="es-CR"/>
           </a:p>
@@ -1415,7 +1420,7 @@
           <a:p>
             <a:fld id="{BA6E16F5-2175-476A-8083-99F631C74847}" type="datetimeFigureOut">
               <a:rPr lang="es-CR" smtClean="0"/>
-              <a:t>1/6/2020</a:t>
+              <a:t>2/6/2020</a:t>
             </a:fld>
             <a:endParaRPr lang="es-CR"/>
           </a:p>
@@ -1469,7 +1474,7 @@
           <a:p>
             <a:fld id="{74BAADB7-6BF4-40B2-9807-9C19386122AC}" type="slidenum">
               <a:rPr lang="es-CR" smtClean="0"/>
-              <a:t>‹Nº›</a:t>
+              <a:t>‹#›</a:t>
             </a:fld>
             <a:endParaRPr lang="es-CR"/>
           </a:p>
@@ -1830,7 +1835,7 @@
           <a:p>
             <a:fld id="{BA6E16F5-2175-476A-8083-99F631C74847}" type="datetimeFigureOut">
               <a:rPr lang="es-CR" smtClean="0"/>
-              <a:t>1/6/2020</a:t>
+              <a:t>2/6/2020</a:t>
             </a:fld>
             <a:endParaRPr lang="es-CR"/>
           </a:p>
@@ -1884,7 +1889,7 @@
           <a:p>
             <a:fld id="{74BAADB7-6BF4-40B2-9807-9C19386122AC}" type="slidenum">
               <a:rPr lang="es-CR" smtClean="0"/>
-              <a:t>‹Nº›</a:t>
+              <a:t>‹#›</a:t>
             </a:fld>
             <a:endParaRPr lang="es-CR"/>
           </a:p>
@@ -1972,7 +1977,7 @@
           <a:p>
             <a:fld id="{BA6E16F5-2175-476A-8083-99F631C74847}" type="datetimeFigureOut">
               <a:rPr lang="es-CR" smtClean="0"/>
-              <a:t>1/6/2020</a:t>
+              <a:t>2/6/2020</a:t>
             </a:fld>
             <a:endParaRPr lang="es-CR"/>
           </a:p>
@@ -2026,7 +2031,7 @@
           <a:p>
             <a:fld id="{74BAADB7-6BF4-40B2-9807-9C19386122AC}" type="slidenum">
               <a:rPr lang="es-CR" smtClean="0"/>
-              <a:t>‹Nº›</a:t>
+              <a:t>‹#›</a:t>
             </a:fld>
             <a:endParaRPr lang="es-CR"/>
           </a:p>
@@ -2085,7 +2090,7 @@
           <a:p>
             <a:fld id="{BA6E16F5-2175-476A-8083-99F631C74847}" type="datetimeFigureOut">
               <a:rPr lang="es-CR" smtClean="0"/>
-              <a:t>1/6/2020</a:t>
+              <a:t>2/6/2020</a:t>
             </a:fld>
             <a:endParaRPr lang="es-CR"/>
           </a:p>
@@ -2139,7 +2144,7 @@
           <a:p>
             <a:fld id="{74BAADB7-6BF4-40B2-9807-9C19386122AC}" type="slidenum">
               <a:rPr lang="es-CR" smtClean="0"/>
-              <a:t>‹Nº›</a:t>
+              <a:t>‹#›</a:t>
             </a:fld>
             <a:endParaRPr lang="es-CR"/>
           </a:p>
@@ -2398,7 +2403,7 @@
           <a:p>
             <a:fld id="{BA6E16F5-2175-476A-8083-99F631C74847}" type="datetimeFigureOut">
               <a:rPr lang="es-CR" smtClean="0"/>
-              <a:t>1/6/2020</a:t>
+              <a:t>2/6/2020</a:t>
             </a:fld>
             <a:endParaRPr lang="es-CR"/>
           </a:p>
@@ -2452,7 +2457,7 @@
           <a:p>
             <a:fld id="{74BAADB7-6BF4-40B2-9807-9C19386122AC}" type="slidenum">
               <a:rPr lang="es-CR" smtClean="0"/>
-              <a:t>‹Nº›</a:t>
+              <a:t>‹#›</a:t>
             </a:fld>
             <a:endParaRPr lang="es-CR"/>
           </a:p>
@@ -2687,7 +2692,7 @@
           <a:p>
             <a:fld id="{BA6E16F5-2175-476A-8083-99F631C74847}" type="datetimeFigureOut">
               <a:rPr lang="es-CR" smtClean="0"/>
-              <a:t>1/6/2020</a:t>
+              <a:t>2/6/2020</a:t>
             </a:fld>
             <a:endParaRPr lang="es-CR"/>
           </a:p>
@@ -2741,7 +2746,7 @@
           <a:p>
             <a:fld id="{74BAADB7-6BF4-40B2-9807-9C19386122AC}" type="slidenum">
               <a:rPr lang="es-CR" smtClean="0"/>
-              <a:t>‹Nº›</a:t>
+              <a:t>‹#›</a:t>
             </a:fld>
             <a:endParaRPr lang="es-CR"/>
           </a:p>
@@ -2930,7 +2935,7 @@
           <a:p>
             <a:fld id="{BA6E16F5-2175-476A-8083-99F631C74847}" type="datetimeFigureOut">
               <a:rPr lang="es-CR" smtClean="0"/>
-              <a:t>1/6/2020</a:t>
+              <a:t>2/6/2020</a:t>
             </a:fld>
             <a:endParaRPr lang="es-CR"/>
           </a:p>
@@ -3020,7 +3025,7 @@
           <a:p>
             <a:fld id="{74BAADB7-6BF4-40B2-9807-9C19386122AC}" type="slidenum">
               <a:rPr lang="es-CR" smtClean="0"/>
-              <a:t>‹Nº›</a:t>
+              <a:t>‹#›</a:t>
             </a:fld>
             <a:endParaRPr lang="es-CR"/>
           </a:p>
@@ -4824,15 +4829,16 @@
           <a:bodyPr/>
           <a:lstStyle/>
           <a:p>
-            <a:r>
-              <a:rPr lang="en-US" dirty="0" err="1">
+            <a:pPr algn="ctr"/>
+            <a:r>
+              <a:rPr lang="en-US" b="1" dirty="0" err="1">
                 <a:solidFill>
                   <a:schemeClr val="bg1"/>
                 </a:solidFill>
               </a:rPr>
               <a:t>Objetivos</a:t>
             </a:r>
-            <a:endParaRPr lang="es-CR" dirty="0">
+            <a:endParaRPr lang="es-CR" b="1" dirty="0">
               <a:solidFill>
                 <a:schemeClr val="bg1"/>
               </a:solidFill>
@@ -4840,31 +4846,41 @@
           </a:p>
         </p:txBody>
       </p:sp>
-      <p:sp>
-        <p:nvSpPr>
-          <p:cNvPr id="3" name="Marcador de contenido 2">
-            <a:extLst>
-              <a:ext uri="{FF2B5EF4-FFF2-40B4-BE49-F238E27FC236}">
-                <a16:creationId xmlns:a16="http://schemas.microsoft.com/office/drawing/2014/main" id="{1D77894E-0D72-4FD6-B497-0D3D015AFAF2}"/>
-              </a:ext>
-            </a:extLst>
-          </p:cNvPr>
-          <p:cNvSpPr>
-            <a:spLocks noGrp="1"/>
-          </p:cNvSpPr>
+      <p:pic>
+        <p:nvPicPr>
+          <p:cNvPr id="9" name="Content Placeholder 8">
+            <a:extLst>
+              <a:ext uri="{FF2B5EF4-FFF2-40B4-BE49-F238E27FC236}">
+                <a16:creationId xmlns:a16="http://schemas.microsoft.com/office/drawing/2014/main" id="{B5C9C7BD-1A04-409E-9666-193F08275410}"/>
+              </a:ext>
+            </a:extLst>
+          </p:cNvPr>
+          <p:cNvPicPr>
+            <a:picLocks noGrp="1" noChangeAspect="1"/>
+          </p:cNvPicPr>
           <p:nvPr>
             <p:ph idx="1"/>
           </p:nvPr>
-        </p:nvSpPr>
-        <p:spPr/>
-        <p:txBody>
-          <a:bodyPr/>
-          <a:lstStyle/>
-          <a:p>
-            <a:endParaRPr lang="es-CR" dirty="0"/>
-          </a:p>
-        </p:txBody>
-      </p:sp>
+        </p:nvPicPr>
+        <p:blipFill>
+          <a:blip r:embed="rId2">
+            <a:extLst>
+              <a:ext uri="{28A0092B-C50C-407E-A947-70E740481C1C}">
+                <a14:useLocalDpi xmlns:a14="http://schemas.microsoft.com/office/drawing/2010/main" val="0"/>
+              </a:ext>
+            </a:extLst>
+          </a:blip>
+          <a:stretch>
+            <a:fillRect/>
+          </a:stretch>
+        </p:blipFill>
+        <p:spPr>
+          <a:xfrm>
+            <a:off x="2179796" y="1825625"/>
+            <a:ext cx="7832408" cy="4351338"/>
+          </a:xfrm>
+        </p:spPr>
+      </p:pic>
     </p:spTree>
     <p:extLst>
       <p:ext uri="{BB962C8B-B14F-4D97-AF65-F5344CB8AC3E}">

--- a/Presentación.pptx
+++ b/Presentación.pptx
@@ -10,7 +10,8 @@
     <p:sldId id="258" r:id="rId4"/>
     <p:sldId id="259" r:id="rId5"/>
     <p:sldId id="260" r:id="rId6"/>
-    <p:sldId id="261" r:id="rId7"/>
+    <p:sldId id="262" r:id="rId7"/>
+    <p:sldId id="261" r:id="rId8"/>
   </p:sldIdLst>
   <p:sldSz cx="12192000" cy="6858000"/>
   <p:notesSz cx="6858000" cy="9144000"/>
@@ -320,7 +321,7 @@
           <a:p>
             <a:fld id="{74BAADB7-6BF4-40B2-9807-9C19386122AC}" type="slidenum">
               <a:rPr lang="es-CR" smtClean="0"/>
-              <a:t>‹#›</a:t>
+              <a:t>‹Nº›</a:t>
             </a:fld>
             <a:endParaRPr lang="es-CR"/>
           </a:p>
@@ -520,7 +521,7 @@
           <a:p>
             <a:fld id="{74BAADB7-6BF4-40B2-9807-9C19386122AC}" type="slidenum">
               <a:rPr lang="es-CR" smtClean="0"/>
-              <a:t>‹#›</a:t>
+              <a:t>‹Nº›</a:t>
             </a:fld>
             <a:endParaRPr lang="es-CR"/>
           </a:p>
@@ -730,7 +731,7 @@
           <a:p>
             <a:fld id="{74BAADB7-6BF4-40B2-9807-9C19386122AC}" type="slidenum">
               <a:rPr lang="es-CR" smtClean="0"/>
-              <a:t>‹#›</a:t>
+              <a:t>‹Nº›</a:t>
             </a:fld>
             <a:endParaRPr lang="es-CR"/>
           </a:p>
@@ -930,7 +931,7 @@
           <a:p>
             <a:fld id="{74BAADB7-6BF4-40B2-9807-9C19386122AC}" type="slidenum">
               <a:rPr lang="es-CR" smtClean="0"/>
-              <a:t>‹#›</a:t>
+              <a:t>‹Nº›</a:t>
             </a:fld>
             <a:endParaRPr lang="es-CR"/>
           </a:p>
@@ -1206,7 +1207,7 @@
           <a:p>
             <a:fld id="{74BAADB7-6BF4-40B2-9807-9C19386122AC}" type="slidenum">
               <a:rPr lang="es-CR" smtClean="0"/>
-              <a:t>‹#›</a:t>
+              <a:t>‹Nº›</a:t>
             </a:fld>
             <a:endParaRPr lang="es-CR"/>
           </a:p>
@@ -1474,7 +1475,7 @@
           <a:p>
             <a:fld id="{74BAADB7-6BF4-40B2-9807-9C19386122AC}" type="slidenum">
               <a:rPr lang="es-CR" smtClean="0"/>
-              <a:t>‹#›</a:t>
+              <a:t>‹Nº›</a:t>
             </a:fld>
             <a:endParaRPr lang="es-CR"/>
           </a:p>
@@ -1889,7 +1890,7 @@
           <a:p>
             <a:fld id="{74BAADB7-6BF4-40B2-9807-9C19386122AC}" type="slidenum">
               <a:rPr lang="es-CR" smtClean="0"/>
-              <a:t>‹#›</a:t>
+              <a:t>‹Nº›</a:t>
             </a:fld>
             <a:endParaRPr lang="es-CR"/>
           </a:p>
@@ -2031,7 +2032,7 @@
           <a:p>
             <a:fld id="{74BAADB7-6BF4-40B2-9807-9C19386122AC}" type="slidenum">
               <a:rPr lang="es-CR" smtClean="0"/>
-              <a:t>‹#›</a:t>
+              <a:t>‹Nº›</a:t>
             </a:fld>
             <a:endParaRPr lang="es-CR"/>
           </a:p>
@@ -2144,7 +2145,7 @@
           <a:p>
             <a:fld id="{74BAADB7-6BF4-40B2-9807-9C19386122AC}" type="slidenum">
               <a:rPr lang="es-CR" smtClean="0"/>
-              <a:t>‹#›</a:t>
+              <a:t>‹Nº›</a:t>
             </a:fld>
             <a:endParaRPr lang="es-CR"/>
           </a:p>
@@ -2457,7 +2458,7 @@
           <a:p>
             <a:fld id="{74BAADB7-6BF4-40B2-9807-9C19386122AC}" type="slidenum">
               <a:rPr lang="es-CR" smtClean="0"/>
-              <a:t>‹#›</a:t>
+              <a:t>‹Nº›</a:t>
             </a:fld>
             <a:endParaRPr lang="es-CR"/>
           </a:p>
@@ -2746,7 +2747,7 @@
           <a:p>
             <a:fld id="{74BAADB7-6BF4-40B2-9807-9C19386122AC}" type="slidenum">
               <a:rPr lang="es-CR" smtClean="0"/>
-              <a:t>‹#›</a:t>
+              <a:t>‹Nº›</a:t>
             </a:fld>
             <a:endParaRPr lang="es-CR"/>
           </a:p>
@@ -3025,7 +3026,7 @@
           <a:p>
             <a:fld id="{74BAADB7-6BF4-40B2-9807-9C19386122AC}" type="slidenum">
               <a:rPr lang="es-CR" smtClean="0"/>
-              <a:t>‹#›</a:t>
+              <a:t>‹Nº›</a:t>
             </a:fld>
             <a:endParaRPr lang="es-CR"/>
           </a:p>
@@ -4976,14 +4977,14 @@
             <p:ph idx="1"/>
             <p:extLst>
               <p:ext uri="{D42A27DB-BD31-4B8C-83A1-F6EECF244321}">
-                <p14:modId xmlns:p14="http://schemas.microsoft.com/office/powerpoint/2010/main" val="1698114391"/>
+                <p14:modId xmlns:p14="http://schemas.microsoft.com/office/powerpoint/2010/main" val="1566225258"/>
               </p:ext>
             </p:extLst>
           </p:nvPr>
         </p:nvGraphicFramePr>
         <p:xfrm>
-          <a:off x="838200" y="548367"/>
-          <a:ext cx="10515600" cy="1048203"/>
+          <a:off x="2877094" y="2904898"/>
+          <a:ext cx="6437811" cy="1048203"/>
         </p:xfrm>
         <a:graphic>
           <a:graphicData uri="http://schemas.openxmlformats.org/drawingml/2006/table">
@@ -4992,7 +4993,7 @@
                 <a:tableStyleId>{2D5ABB26-0587-4C30-8999-92F81FD0307C}</a:tableStyleId>
               </a:tblPr>
               <a:tblGrid>
-                <a:gridCol w="10515600">
+                <a:gridCol w="6437811">
                   <a:extLst>
                     <a:ext uri="{9D8B030D-6E8A-4147-A177-3AD203B41FA5}">
                       <a16:colId xmlns:a16="http://schemas.microsoft.com/office/drawing/2014/main" val="2414655687"/>
@@ -5007,7 +5008,7 @@
                     <a:lstStyle/>
                     <a:p>
                       <a:r>
-                        <a:rPr lang="en-US" sz="4400" dirty="0" err="1">
+                        <a:rPr lang="en-US" sz="4400" b="1" dirty="0" err="1">
                           <a:solidFill>
                             <a:schemeClr val="bg1"/>
                           </a:solidFill>
@@ -5015,7 +5016,7 @@
                         <a:t>Descripci</a:t>
                       </a:r>
                       <a:r>
-                        <a:rPr lang="es-ES" sz="4400" dirty="0" err="1">
+                        <a:rPr lang="es-ES" sz="4400" b="1" dirty="0" err="1">
                           <a:solidFill>
                             <a:schemeClr val="bg1"/>
                           </a:solidFill>
@@ -5023,7 +5024,7 @@
                         <a:t>ó</a:t>
                       </a:r>
                       <a:r>
-                        <a:rPr lang="en-US" sz="4400" dirty="0">
+                        <a:rPr lang="en-US" sz="4400" b="1" dirty="0">
                           <a:solidFill>
                             <a:schemeClr val="bg1"/>
                           </a:solidFill>
@@ -5031,14 +5032,14 @@
                         <a:t>n del </a:t>
                       </a:r>
                       <a:r>
-                        <a:rPr lang="en-US" sz="4400" dirty="0" err="1">
+                        <a:rPr lang="en-US" sz="4400" b="1" dirty="0" err="1">
                           <a:solidFill>
                             <a:schemeClr val="bg1"/>
                           </a:solidFill>
                         </a:rPr>
                         <a:t>problema</a:t>
                       </a:r>
-                      <a:endParaRPr lang="es-CR" sz="4400" dirty="0">
+                      <a:endParaRPr lang="es-CR" sz="4400" b="1" dirty="0">
                         <a:solidFill>
                           <a:schemeClr val="bg1"/>
                         </a:solidFill>
@@ -5373,6 +5374,2640 @@
 </file>
 
 <file path=ppt/slides/slide6.xml><?xml version="1.0" encoding="utf-8"?>
+<p:sld xmlns:a="http://schemas.openxmlformats.org/drawingml/2006/main" xmlns:r="http://schemas.openxmlformats.org/officeDocument/2006/relationships" xmlns:p="http://schemas.openxmlformats.org/presentationml/2006/main">
+  <p:cSld>
+    <p:spTree>
+      <p:nvGrpSpPr>
+        <p:cNvPr id="1" name=""/>
+        <p:cNvGrpSpPr/>
+        <p:nvPr/>
+      </p:nvGrpSpPr>
+      <p:grpSpPr>
+        <a:xfrm>
+          <a:off x="0" y="0"/>
+          <a:ext cx="0" cy="0"/>
+          <a:chOff x="0" y="0"/>
+          <a:chExt cx="0" cy="0"/>
+        </a:xfrm>
+      </p:grpSpPr>
+      <p:sp>
+        <p:nvSpPr>
+          <p:cNvPr id="4" name="Rectángulo 3">
+            <a:extLst>
+              <a:ext uri="{FF2B5EF4-FFF2-40B4-BE49-F238E27FC236}">
+                <a16:creationId xmlns:a16="http://schemas.microsoft.com/office/drawing/2014/main" id="{17688BBD-D476-4FE2-8A0E-B47225ED1C78}"/>
+              </a:ext>
+            </a:extLst>
+          </p:cNvPr>
+          <p:cNvSpPr/>
+          <p:nvPr/>
+        </p:nvSpPr>
+        <p:spPr>
+          <a:xfrm>
+            <a:off x="0" y="0"/>
+            <a:ext cx="12192000" cy="6858000"/>
+          </a:xfrm>
+          <a:prstGeom prst="rect">
+            <a:avLst/>
+          </a:prstGeom>
+          <a:solidFill>
+            <a:schemeClr val="tx1"/>
+          </a:solidFill>
+        </p:spPr>
+        <p:style>
+          <a:lnRef idx="2">
+            <a:schemeClr val="accent1">
+              <a:shade val="50000"/>
+            </a:schemeClr>
+          </a:lnRef>
+          <a:fillRef idx="1">
+            <a:schemeClr val="accent1"/>
+          </a:fillRef>
+          <a:effectRef idx="0">
+            <a:schemeClr val="accent1"/>
+          </a:effectRef>
+          <a:fontRef idx="minor">
+            <a:schemeClr val="lt1"/>
+          </a:fontRef>
+        </p:style>
+        <p:txBody>
+          <a:bodyPr rtlCol="0" anchor="ctr"/>
+          <a:lstStyle/>
+          <a:p>
+            <a:pPr algn="ctr"/>
+            <a:endParaRPr lang="es-CR"/>
+          </a:p>
+        </p:txBody>
+      </p:sp>
+      <p:sp>
+        <p:nvSpPr>
+          <p:cNvPr id="2" name="Título 1">
+            <a:extLst>
+              <a:ext uri="{FF2B5EF4-FFF2-40B4-BE49-F238E27FC236}">
+                <a16:creationId xmlns:a16="http://schemas.microsoft.com/office/drawing/2014/main" id="{E0DFBD31-7A2E-4C91-80F5-76A90D63B8EE}"/>
+              </a:ext>
+            </a:extLst>
+          </p:cNvPr>
+          <p:cNvSpPr>
+            <a:spLocks noGrp="1"/>
+          </p:cNvSpPr>
+          <p:nvPr>
+            <p:ph type="title"/>
+          </p:nvPr>
+        </p:nvSpPr>
+        <p:spPr/>
+        <p:txBody>
+          <a:bodyPr/>
+          <a:lstStyle/>
+          <a:p>
+            <a:r>
+              <a:rPr lang="es-CR" dirty="0">
+                <a:solidFill>
+                  <a:schemeClr val="bg1"/>
+                </a:solidFill>
+              </a:rPr>
+              <a:t>Normalización</a:t>
+            </a:r>
+          </a:p>
+        </p:txBody>
+      </p:sp>
+      <p:graphicFrame>
+        <p:nvGraphicFramePr>
+          <p:cNvPr id="5" name="Marcador de contenido 4">
+            <a:extLst>
+              <a:ext uri="{FF2B5EF4-FFF2-40B4-BE49-F238E27FC236}">
+                <a16:creationId xmlns:a16="http://schemas.microsoft.com/office/drawing/2014/main" id="{94D750AA-7C98-4790-AE3C-432DFF86A6BF}"/>
+              </a:ext>
+            </a:extLst>
+          </p:cNvPr>
+          <p:cNvGraphicFramePr>
+            <a:graphicFrameLocks noGrp="1"/>
+          </p:cNvGraphicFramePr>
+          <p:nvPr>
+            <p:ph idx="1"/>
+            <p:extLst>
+              <p:ext uri="{D42A27DB-BD31-4B8C-83A1-F6EECF244321}">
+                <p14:modId xmlns:p14="http://schemas.microsoft.com/office/powerpoint/2010/main" val="1578594731"/>
+              </p:ext>
+            </p:extLst>
+          </p:nvPr>
+        </p:nvGraphicFramePr>
+        <p:xfrm>
+          <a:off x="2555965" y="1886767"/>
+          <a:ext cx="3683000" cy="1143000"/>
+        </p:xfrm>
+        <a:graphic>
+          <a:graphicData uri="http://schemas.openxmlformats.org/drawingml/2006/table">
+            <a:tbl>
+              <a:tblPr>
+                <a:tableStyleId>{BC89EF96-8CEA-46FF-86C4-4CE0E7609802}</a:tableStyleId>
+              </a:tblPr>
+              <a:tblGrid>
+                <a:gridCol w="1208633">
+                  <a:extLst>
+                    <a:ext uri="{9D8B030D-6E8A-4147-A177-3AD203B41FA5}">
+                      <a16:colId xmlns:a16="http://schemas.microsoft.com/office/drawing/2014/main" val="3686745238"/>
+                    </a:ext>
+                  </a:extLst>
+                </a:gridCol>
+                <a:gridCol w="1303801">
+                  <a:extLst>
+                    <a:ext uri="{9D8B030D-6E8A-4147-A177-3AD203B41FA5}">
+                      <a16:colId xmlns:a16="http://schemas.microsoft.com/office/drawing/2014/main" val="4018047880"/>
+                    </a:ext>
+                  </a:extLst>
+                </a:gridCol>
+                <a:gridCol w="1170566">
+                  <a:extLst>
+                    <a:ext uri="{9D8B030D-6E8A-4147-A177-3AD203B41FA5}">
+                      <a16:colId xmlns:a16="http://schemas.microsoft.com/office/drawing/2014/main" val="2860396790"/>
+                    </a:ext>
+                  </a:extLst>
+                </a:gridCol>
+              </a:tblGrid>
+              <a:tr h="190500">
+                <a:tc gridSpan="3">
+                  <a:txBody>
+                    <a:bodyPr/>
+                    <a:lstStyle/>
+                    <a:p>
+                      <a:pPr algn="ctr" fontAlgn="b"/>
+                      <a:r>
+                        <a:rPr lang="es-ES" sz="1100" b="1" u="none" strike="noStrike" dirty="0">
+                          <a:solidFill>
+                            <a:schemeClr val="bg1"/>
+                          </a:solidFill>
+                          <a:effectLst/>
+                        </a:rPr>
+                        <a:t>Actividades</a:t>
+                      </a:r>
+                      <a:endParaRPr lang="es-ES" sz="1100" b="1" i="0" u="none" strike="noStrike" dirty="0">
+                        <a:solidFill>
+                          <a:schemeClr val="bg1"/>
+                        </a:solidFill>
+                        <a:effectLst/>
+                        <a:latin typeface="Calibri" panose="020F0502020204030204" pitchFamily="34" charset="0"/>
+                      </a:endParaRPr>
+                    </a:p>
+                  </a:txBody>
+                  <a:tcPr marL="9525" marR="9525" marT="9525" marB="0" anchor="b"/>
+                </a:tc>
+                <a:tc hMerge="1">
+                  <a:txBody>
+                    <a:bodyPr/>
+                    <a:lstStyle/>
+                    <a:p>
+                      <a:endParaRPr lang="es-CR"/>
+                    </a:p>
+                  </a:txBody>
+                  <a:tcPr/>
+                </a:tc>
+                <a:tc hMerge="1">
+                  <a:txBody>
+                    <a:bodyPr/>
+                    <a:lstStyle/>
+                    <a:p>
+                      <a:endParaRPr lang="es-CR"/>
+                    </a:p>
+                  </a:txBody>
+                  <a:tcPr/>
+                </a:tc>
+                <a:extLst>
+                  <a:ext uri="{0D108BD9-81ED-4DB2-BD59-A6C34878D82A}">
+                    <a16:rowId xmlns:a16="http://schemas.microsoft.com/office/drawing/2014/main" val="1533863852"/>
+                  </a:ext>
+                </a:extLst>
+              </a:tr>
+              <a:tr h="190500">
+                <a:tc>
+                  <a:txBody>
+                    <a:bodyPr/>
+                    <a:lstStyle/>
+                    <a:p>
+                      <a:pPr algn="ctr" fontAlgn="b"/>
+                      <a:r>
+                        <a:rPr lang="es-ES" sz="1100" b="1" u="none" strike="noStrike" dirty="0" err="1">
+                          <a:solidFill>
+                            <a:schemeClr val="bg1"/>
+                          </a:solidFill>
+                          <a:effectLst/>
+                        </a:rPr>
+                        <a:t>Actividad_cod</a:t>
+                      </a:r>
+                      <a:endParaRPr lang="es-ES" sz="1100" b="1" i="0" u="none" strike="noStrike" dirty="0">
+                        <a:solidFill>
+                          <a:schemeClr val="bg1"/>
+                        </a:solidFill>
+                        <a:effectLst/>
+                        <a:latin typeface="Calibri" panose="020F0502020204030204" pitchFamily="34" charset="0"/>
+                      </a:endParaRPr>
+                    </a:p>
+                  </a:txBody>
+                  <a:tcPr marL="9525" marR="9525" marT="9525" marB="0" anchor="b"/>
+                </a:tc>
+                <a:tc>
+                  <a:txBody>
+                    <a:bodyPr/>
+                    <a:lstStyle/>
+                    <a:p>
+                      <a:pPr algn="ctr" fontAlgn="b"/>
+                      <a:r>
+                        <a:rPr lang="es-ES" sz="1100" b="1" u="none" strike="noStrike" dirty="0" err="1">
+                          <a:solidFill>
+                            <a:schemeClr val="bg1"/>
+                          </a:solidFill>
+                          <a:effectLst/>
+                        </a:rPr>
+                        <a:t>Nombre_Actividad</a:t>
+                      </a:r>
+                      <a:endParaRPr lang="es-ES" sz="1100" b="1" i="0" u="none" strike="noStrike" dirty="0">
+                        <a:solidFill>
+                          <a:schemeClr val="bg1"/>
+                        </a:solidFill>
+                        <a:effectLst/>
+                        <a:latin typeface="Calibri" panose="020F0502020204030204" pitchFamily="34" charset="0"/>
+                      </a:endParaRPr>
+                    </a:p>
+                  </a:txBody>
+                  <a:tcPr marL="9525" marR="9525" marT="9525" marB="0" anchor="b"/>
+                </a:tc>
+                <a:tc>
+                  <a:txBody>
+                    <a:bodyPr/>
+                    <a:lstStyle/>
+                    <a:p>
+                      <a:pPr algn="ctr" fontAlgn="b"/>
+                      <a:r>
+                        <a:rPr lang="es-ES" sz="1100" b="1" u="none" strike="noStrike">
+                          <a:solidFill>
+                            <a:schemeClr val="bg1"/>
+                          </a:solidFill>
+                          <a:effectLst/>
+                        </a:rPr>
+                        <a:t>Descripcion</a:t>
+                      </a:r>
+                      <a:endParaRPr lang="es-ES" sz="1100" b="1" i="0" u="none" strike="noStrike">
+                        <a:solidFill>
+                          <a:schemeClr val="bg1"/>
+                        </a:solidFill>
+                        <a:effectLst/>
+                        <a:latin typeface="Calibri" panose="020F0502020204030204" pitchFamily="34" charset="0"/>
+                      </a:endParaRPr>
+                    </a:p>
+                  </a:txBody>
+                  <a:tcPr marL="9525" marR="9525" marT="9525" marB="0" anchor="b"/>
+                </a:tc>
+                <a:extLst>
+                  <a:ext uri="{0D108BD9-81ED-4DB2-BD59-A6C34878D82A}">
+                    <a16:rowId xmlns:a16="http://schemas.microsoft.com/office/drawing/2014/main" val="3684079780"/>
+                  </a:ext>
+                </a:extLst>
+              </a:tr>
+              <a:tr h="190500">
+                <a:tc>
+                  <a:txBody>
+                    <a:bodyPr/>
+                    <a:lstStyle/>
+                    <a:p>
+                      <a:pPr algn="ctr" fontAlgn="b"/>
+                      <a:r>
+                        <a:rPr lang="es-ES" sz="1100" b="1" u="none" strike="noStrike">
+                          <a:solidFill>
+                            <a:schemeClr val="bg1"/>
+                          </a:solidFill>
+                          <a:effectLst/>
+                        </a:rPr>
+                        <a:t>1</a:t>
+                      </a:r>
+                      <a:endParaRPr lang="es-ES" sz="1100" b="1" i="0" u="none" strike="noStrike">
+                        <a:solidFill>
+                          <a:schemeClr val="bg1"/>
+                        </a:solidFill>
+                        <a:effectLst/>
+                        <a:latin typeface="Calibri" panose="020F0502020204030204" pitchFamily="34" charset="0"/>
+                      </a:endParaRPr>
+                    </a:p>
+                  </a:txBody>
+                  <a:tcPr marL="9525" marR="9525" marT="9525" marB="0" anchor="b"/>
+                </a:tc>
+                <a:tc>
+                  <a:txBody>
+                    <a:bodyPr/>
+                    <a:lstStyle/>
+                    <a:p>
+                      <a:pPr algn="ctr" fontAlgn="b"/>
+                      <a:r>
+                        <a:rPr lang="es-ES" sz="1100" b="1" u="none" strike="noStrike" dirty="0">
+                          <a:solidFill>
+                            <a:schemeClr val="bg1"/>
+                          </a:solidFill>
+                          <a:effectLst/>
+                        </a:rPr>
+                        <a:t>Zumba</a:t>
+                      </a:r>
+                      <a:endParaRPr lang="es-ES" sz="1100" b="1" i="0" u="none" strike="noStrike" dirty="0">
+                        <a:solidFill>
+                          <a:schemeClr val="bg1"/>
+                        </a:solidFill>
+                        <a:effectLst/>
+                        <a:latin typeface="Calibri" panose="020F0502020204030204" pitchFamily="34" charset="0"/>
+                      </a:endParaRPr>
+                    </a:p>
+                  </a:txBody>
+                  <a:tcPr marL="9525" marR="9525" marT="9525" marB="0" anchor="b"/>
+                </a:tc>
+                <a:tc>
+                  <a:txBody>
+                    <a:bodyPr/>
+                    <a:lstStyle/>
+                    <a:p>
+                      <a:pPr algn="ctr" fontAlgn="b"/>
+                      <a:r>
+                        <a:rPr lang="es-ES" sz="1100" b="1" u="none" strike="noStrike" dirty="0">
+                          <a:solidFill>
+                            <a:schemeClr val="bg1"/>
+                          </a:solidFill>
+                          <a:effectLst/>
+                        </a:rPr>
+                        <a:t>Cardio</a:t>
+                      </a:r>
+                      <a:endParaRPr lang="es-ES" sz="1100" b="1" i="0" u="none" strike="noStrike" dirty="0">
+                        <a:solidFill>
+                          <a:schemeClr val="bg1"/>
+                        </a:solidFill>
+                        <a:effectLst/>
+                        <a:latin typeface="Calibri" panose="020F0502020204030204" pitchFamily="34" charset="0"/>
+                      </a:endParaRPr>
+                    </a:p>
+                  </a:txBody>
+                  <a:tcPr marL="9525" marR="9525" marT="9525" marB="0" anchor="b"/>
+                </a:tc>
+                <a:extLst>
+                  <a:ext uri="{0D108BD9-81ED-4DB2-BD59-A6C34878D82A}">
+                    <a16:rowId xmlns:a16="http://schemas.microsoft.com/office/drawing/2014/main" val="2416453990"/>
+                  </a:ext>
+                </a:extLst>
+              </a:tr>
+              <a:tr h="190500">
+                <a:tc>
+                  <a:txBody>
+                    <a:bodyPr/>
+                    <a:lstStyle/>
+                    <a:p>
+                      <a:pPr algn="ctr" fontAlgn="b"/>
+                      <a:r>
+                        <a:rPr lang="es-ES" sz="1100" b="1" u="none" strike="noStrike">
+                          <a:solidFill>
+                            <a:schemeClr val="bg1"/>
+                          </a:solidFill>
+                          <a:effectLst/>
+                        </a:rPr>
+                        <a:t>2</a:t>
+                      </a:r>
+                      <a:endParaRPr lang="es-ES" sz="1100" b="1" i="0" u="none" strike="noStrike">
+                        <a:solidFill>
+                          <a:schemeClr val="bg1"/>
+                        </a:solidFill>
+                        <a:effectLst/>
+                        <a:latin typeface="Calibri" panose="020F0502020204030204" pitchFamily="34" charset="0"/>
+                      </a:endParaRPr>
+                    </a:p>
+                  </a:txBody>
+                  <a:tcPr marL="9525" marR="9525" marT="9525" marB="0" anchor="b"/>
+                </a:tc>
+                <a:tc>
+                  <a:txBody>
+                    <a:bodyPr/>
+                    <a:lstStyle/>
+                    <a:p>
+                      <a:pPr algn="ctr" fontAlgn="b"/>
+                      <a:r>
+                        <a:rPr lang="es-ES" sz="1100" b="1" u="none" strike="noStrike" dirty="0" err="1">
+                          <a:solidFill>
+                            <a:schemeClr val="bg1"/>
+                          </a:solidFill>
+                          <a:effectLst/>
+                        </a:rPr>
+                        <a:t>Crosfit</a:t>
+                      </a:r>
+                      <a:endParaRPr lang="es-ES" sz="1100" b="1" i="0" u="none" strike="noStrike" dirty="0">
+                        <a:solidFill>
+                          <a:schemeClr val="bg1"/>
+                        </a:solidFill>
+                        <a:effectLst/>
+                        <a:latin typeface="Calibri" panose="020F0502020204030204" pitchFamily="34" charset="0"/>
+                      </a:endParaRPr>
+                    </a:p>
+                  </a:txBody>
+                  <a:tcPr marL="9525" marR="9525" marT="9525" marB="0" anchor="b"/>
+                </a:tc>
+                <a:tc>
+                  <a:txBody>
+                    <a:bodyPr/>
+                    <a:lstStyle/>
+                    <a:p>
+                      <a:pPr algn="ctr" fontAlgn="b"/>
+                      <a:r>
+                        <a:rPr lang="es-ES" sz="1100" b="1" u="none" strike="noStrike">
+                          <a:solidFill>
+                            <a:schemeClr val="bg1"/>
+                          </a:solidFill>
+                          <a:effectLst/>
+                        </a:rPr>
+                        <a:t>Resistencia</a:t>
+                      </a:r>
+                      <a:endParaRPr lang="es-ES" sz="1100" b="1" i="0" u="none" strike="noStrike">
+                        <a:solidFill>
+                          <a:schemeClr val="bg1"/>
+                        </a:solidFill>
+                        <a:effectLst/>
+                        <a:latin typeface="Calibri" panose="020F0502020204030204" pitchFamily="34" charset="0"/>
+                      </a:endParaRPr>
+                    </a:p>
+                  </a:txBody>
+                  <a:tcPr marL="9525" marR="9525" marT="9525" marB="0" anchor="b"/>
+                </a:tc>
+                <a:extLst>
+                  <a:ext uri="{0D108BD9-81ED-4DB2-BD59-A6C34878D82A}">
+                    <a16:rowId xmlns:a16="http://schemas.microsoft.com/office/drawing/2014/main" val="3170940524"/>
+                  </a:ext>
+                </a:extLst>
+              </a:tr>
+              <a:tr h="190500">
+                <a:tc>
+                  <a:txBody>
+                    <a:bodyPr/>
+                    <a:lstStyle/>
+                    <a:p>
+                      <a:pPr algn="ctr" fontAlgn="b"/>
+                      <a:r>
+                        <a:rPr lang="es-ES" sz="1100" b="1" u="none" strike="noStrike">
+                          <a:solidFill>
+                            <a:schemeClr val="bg1"/>
+                          </a:solidFill>
+                          <a:effectLst/>
+                        </a:rPr>
+                        <a:t>3</a:t>
+                      </a:r>
+                      <a:endParaRPr lang="es-ES" sz="1100" b="1" i="0" u="none" strike="noStrike">
+                        <a:solidFill>
+                          <a:schemeClr val="bg1"/>
+                        </a:solidFill>
+                        <a:effectLst/>
+                        <a:latin typeface="Calibri" panose="020F0502020204030204" pitchFamily="34" charset="0"/>
+                      </a:endParaRPr>
+                    </a:p>
+                  </a:txBody>
+                  <a:tcPr marL="9525" marR="9525" marT="9525" marB="0" anchor="b"/>
+                </a:tc>
+                <a:tc>
+                  <a:txBody>
+                    <a:bodyPr/>
+                    <a:lstStyle/>
+                    <a:p>
+                      <a:pPr algn="ctr" fontAlgn="b"/>
+                      <a:r>
+                        <a:rPr lang="es-ES" sz="1100" b="1" u="none" strike="noStrike" dirty="0">
+                          <a:solidFill>
+                            <a:schemeClr val="bg1"/>
+                          </a:solidFill>
+                          <a:effectLst/>
+                        </a:rPr>
+                        <a:t>Spinning</a:t>
+                      </a:r>
+                      <a:endParaRPr lang="es-ES" sz="1100" b="1" i="0" u="none" strike="noStrike" dirty="0">
+                        <a:solidFill>
+                          <a:schemeClr val="bg1"/>
+                        </a:solidFill>
+                        <a:effectLst/>
+                        <a:latin typeface="Calibri" panose="020F0502020204030204" pitchFamily="34" charset="0"/>
+                      </a:endParaRPr>
+                    </a:p>
+                  </a:txBody>
+                  <a:tcPr marL="9525" marR="9525" marT="9525" marB="0" anchor="b"/>
+                </a:tc>
+                <a:tc>
+                  <a:txBody>
+                    <a:bodyPr/>
+                    <a:lstStyle/>
+                    <a:p>
+                      <a:pPr algn="ctr" fontAlgn="b"/>
+                      <a:r>
+                        <a:rPr lang="es-ES" sz="1100" b="1" u="none" strike="noStrike" dirty="0">
+                          <a:solidFill>
+                            <a:schemeClr val="bg1"/>
+                          </a:solidFill>
+                          <a:effectLst/>
+                        </a:rPr>
+                        <a:t>cardio en bicicleta</a:t>
+                      </a:r>
+                      <a:endParaRPr lang="es-ES" sz="1100" b="1" i="0" u="none" strike="noStrike" dirty="0">
+                        <a:solidFill>
+                          <a:schemeClr val="bg1"/>
+                        </a:solidFill>
+                        <a:effectLst/>
+                        <a:latin typeface="Calibri" panose="020F0502020204030204" pitchFamily="34" charset="0"/>
+                      </a:endParaRPr>
+                    </a:p>
+                  </a:txBody>
+                  <a:tcPr marL="9525" marR="9525" marT="9525" marB="0" anchor="b"/>
+                </a:tc>
+                <a:extLst>
+                  <a:ext uri="{0D108BD9-81ED-4DB2-BD59-A6C34878D82A}">
+                    <a16:rowId xmlns:a16="http://schemas.microsoft.com/office/drawing/2014/main" val="1399823344"/>
+                  </a:ext>
+                </a:extLst>
+              </a:tr>
+              <a:tr h="190500">
+                <a:tc>
+                  <a:txBody>
+                    <a:bodyPr/>
+                    <a:lstStyle/>
+                    <a:p>
+                      <a:pPr algn="ctr" fontAlgn="b"/>
+                      <a:r>
+                        <a:rPr lang="es-ES" sz="1100" b="1" u="none" strike="noStrike">
+                          <a:solidFill>
+                            <a:schemeClr val="bg1"/>
+                          </a:solidFill>
+                          <a:effectLst/>
+                        </a:rPr>
+                        <a:t>4</a:t>
+                      </a:r>
+                      <a:endParaRPr lang="es-ES" sz="1100" b="1" i="0" u="none" strike="noStrike">
+                        <a:solidFill>
+                          <a:schemeClr val="bg1"/>
+                        </a:solidFill>
+                        <a:effectLst/>
+                        <a:latin typeface="Calibri" panose="020F0502020204030204" pitchFamily="34" charset="0"/>
+                      </a:endParaRPr>
+                    </a:p>
+                  </a:txBody>
+                  <a:tcPr marL="9525" marR="9525" marT="9525" marB="0" anchor="b"/>
+                </a:tc>
+                <a:tc>
+                  <a:txBody>
+                    <a:bodyPr/>
+                    <a:lstStyle/>
+                    <a:p>
+                      <a:pPr algn="ctr" fontAlgn="b"/>
+                      <a:r>
+                        <a:rPr lang="es-ES" sz="1100" b="1" u="none" strike="noStrike" dirty="0">
+                          <a:solidFill>
+                            <a:schemeClr val="bg1"/>
+                          </a:solidFill>
+                          <a:effectLst/>
+                        </a:rPr>
+                        <a:t>Yoga</a:t>
+                      </a:r>
+                      <a:endParaRPr lang="es-ES" sz="1100" b="1" i="0" u="none" strike="noStrike" dirty="0">
+                        <a:solidFill>
+                          <a:schemeClr val="bg1"/>
+                        </a:solidFill>
+                        <a:effectLst/>
+                        <a:latin typeface="Calibri" panose="020F0502020204030204" pitchFamily="34" charset="0"/>
+                      </a:endParaRPr>
+                    </a:p>
+                  </a:txBody>
+                  <a:tcPr marL="9525" marR="9525" marT="9525" marB="0" anchor="b"/>
+                </a:tc>
+                <a:tc>
+                  <a:txBody>
+                    <a:bodyPr/>
+                    <a:lstStyle/>
+                    <a:p>
+                      <a:pPr algn="ctr" fontAlgn="b"/>
+                      <a:r>
+                        <a:rPr lang="es-ES" sz="1100" b="1" u="none" strike="noStrike" dirty="0" err="1">
+                          <a:solidFill>
+                            <a:schemeClr val="bg1"/>
+                          </a:solidFill>
+                          <a:effectLst/>
+                        </a:rPr>
+                        <a:t>Relajacion</a:t>
+                      </a:r>
+                      <a:endParaRPr lang="es-ES" sz="1100" b="1" i="0" u="none" strike="noStrike" dirty="0">
+                        <a:solidFill>
+                          <a:schemeClr val="bg1"/>
+                        </a:solidFill>
+                        <a:effectLst/>
+                        <a:latin typeface="Calibri" panose="020F0502020204030204" pitchFamily="34" charset="0"/>
+                      </a:endParaRPr>
+                    </a:p>
+                  </a:txBody>
+                  <a:tcPr marL="9525" marR="9525" marT="9525" marB="0" anchor="b"/>
+                </a:tc>
+                <a:extLst>
+                  <a:ext uri="{0D108BD9-81ED-4DB2-BD59-A6C34878D82A}">
+                    <a16:rowId xmlns:a16="http://schemas.microsoft.com/office/drawing/2014/main" val="940157765"/>
+                  </a:ext>
+                </a:extLst>
+              </a:tr>
+            </a:tbl>
+          </a:graphicData>
+        </a:graphic>
+      </p:graphicFrame>
+      <p:graphicFrame>
+        <p:nvGraphicFramePr>
+          <p:cNvPr id="6" name="Tabla 5">
+            <a:extLst>
+              <a:ext uri="{FF2B5EF4-FFF2-40B4-BE49-F238E27FC236}">
+                <a16:creationId xmlns:a16="http://schemas.microsoft.com/office/drawing/2014/main" id="{6830D4A5-7D0B-4546-8F82-608673AF6B46}"/>
+              </a:ext>
+            </a:extLst>
+          </p:cNvPr>
+          <p:cNvGraphicFramePr>
+            <a:graphicFrameLocks noGrp="1"/>
+          </p:cNvGraphicFramePr>
+          <p:nvPr>
+            <p:extLst>
+              <p:ext uri="{D42A27DB-BD31-4B8C-83A1-F6EECF244321}">
+                <p14:modId xmlns:p14="http://schemas.microsoft.com/office/powerpoint/2010/main" val="1827840179"/>
+              </p:ext>
+            </p:extLst>
+          </p:nvPr>
+        </p:nvGraphicFramePr>
+        <p:xfrm>
+          <a:off x="1984468" y="3351984"/>
+          <a:ext cx="7899398" cy="1143000"/>
+        </p:xfrm>
+        <a:graphic>
+          <a:graphicData uri="http://schemas.openxmlformats.org/drawingml/2006/table">
+            <a:tbl>
+              <a:tblPr>
+                <a:tableStyleId>{BC89EF96-8CEA-46FF-86C4-4CE0E7609802}</a:tableStyleId>
+              </a:tblPr>
+              <a:tblGrid>
+                <a:gridCol w="1324507">
+                  <a:extLst>
+                    <a:ext uri="{9D8B030D-6E8A-4147-A177-3AD203B41FA5}">
+                      <a16:colId xmlns:a16="http://schemas.microsoft.com/office/drawing/2014/main" val="3317021981"/>
+                    </a:ext>
+                  </a:extLst>
+                </a:gridCol>
+                <a:gridCol w="1038642">
+                  <a:extLst>
+                    <a:ext uri="{9D8B030D-6E8A-4147-A177-3AD203B41FA5}">
+                      <a16:colId xmlns:a16="http://schemas.microsoft.com/office/drawing/2014/main" val="1886518584"/>
+                    </a:ext>
+                  </a:extLst>
+                </a:gridCol>
+                <a:gridCol w="1038642">
+                  <a:extLst>
+                    <a:ext uri="{9D8B030D-6E8A-4147-A177-3AD203B41FA5}">
+                      <a16:colId xmlns:a16="http://schemas.microsoft.com/office/drawing/2014/main" val="1906017876"/>
+                    </a:ext>
+                  </a:extLst>
+                </a:gridCol>
+                <a:gridCol w="1600843">
+                  <a:extLst>
+                    <a:ext uri="{9D8B030D-6E8A-4147-A177-3AD203B41FA5}">
+                      <a16:colId xmlns:a16="http://schemas.microsoft.com/office/drawing/2014/main" val="657967485"/>
+                    </a:ext>
+                  </a:extLst>
+                </a:gridCol>
+                <a:gridCol w="1667545">
+                  <a:extLst>
+                    <a:ext uri="{9D8B030D-6E8A-4147-A177-3AD203B41FA5}">
+                      <a16:colId xmlns:a16="http://schemas.microsoft.com/office/drawing/2014/main" val="1426046724"/>
+                    </a:ext>
+                  </a:extLst>
+                </a:gridCol>
+                <a:gridCol w="1229219">
+                  <a:extLst>
+                    <a:ext uri="{9D8B030D-6E8A-4147-A177-3AD203B41FA5}">
+                      <a16:colId xmlns:a16="http://schemas.microsoft.com/office/drawing/2014/main" val="1651352420"/>
+                    </a:ext>
+                  </a:extLst>
+                </a:gridCol>
+              </a:tblGrid>
+              <a:tr h="190500">
+                <a:tc gridSpan="6">
+                  <a:txBody>
+                    <a:bodyPr/>
+                    <a:lstStyle/>
+                    <a:p>
+                      <a:pPr algn="ctr" fontAlgn="b"/>
+                      <a:r>
+                        <a:rPr lang="es-ES" sz="1100" b="1" u="none" strike="noStrike" dirty="0">
+                          <a:solidFill>
+                            <a:schemeClr val="bg1"/>
+                          </a:solidFill>
+                          <a:effectLst/>
+                        </a:rPr>
+                        <a:t>clases</a:t>
+                      </a:r>
+                      <a:endParaRPr lang="es-ES" sz="1100" b="1" i="0" u="none" strike="noStrike" dirty="0">
+                        <a:solidFill>
+                          <a:schemeClr val="bg1"/>
+                        </a:solidFill>
+                        <a:effectLst/>
+                        <a:latin typeface="Calibri" panose="020F0502020204030204" pitchFamily="34" charset="0"/>
+                      </a:endParaRPr>
+                    </a:p>
+                  </a:txBody>
+                  <a:tcPr marL="9525" marR="9525" marT="9525" marB="0" anchor="b"/>
+                </a:tc>
+                <a:tc hMerge="1">
+                  <a:txBody>
+                    <a:bodyPr/>
+                    <a:lstStyle/>
+                    <a:p>
+                      <a:endParaRPr lang="es-CR"/>
+                    </a:p>
+                  </a:txBody>
+                  <a:tcPr/>
+                </a:tc>
+                <a:tc hMerge="1">
+                  <a:txBody>
+                    <a:bodyPr/>
+                    <a:lstStyle/>
+                    <a:p>
+                      <a:endParaRPr lang="es-CR"/>
+                    </a:p>
+                  </a:txBody>
+                  <a:tcPr/>
+                </a:tc>
+                <a:tc hMerge="1">
+                  <a:txBody>
+                    <a:bodyPr/>
+                    <a:lstStyle/>
+                    <a:p>
+                      <a:endParaRPr lang="es-CR"/>
+                    </a:p>
+                  </a:txBody>
+                  <a:tcPr/>
+                </a:tc>
+                <a:tc hMerge="1">
+                  <a:txBody>
+                    <a:bodyPr/>
+                    <a:lstStyle/>
+                    <a:p>
+                      <a:endParaRPr lang="es-CR"/>
+                    </a:p>
+                  </a:txBody>
+                  <a:tcPr/>
+                </a:tc>
+                <a:tc hMerge="1">
+                  <a:txBody>
+                    <a:bodyPr/>
+                    <a:lstStyle/>
+                    <a:p>
+                      <a:endParaRPr lang="es-CR"/>
+                    </a:p>
+                  </a:txBody>
+                  <a:tcPr/>
+                </a:tc>
+                <a:extLst>
+                  <a:ext uri="{0D108BD9-81ED-4DB2-BD59-A6C34878D82A}">
+                    <a16:rowId xmlns:a16="http://schemas.microsoft.com/office/drawing/2014/main" val="4094757871"/>
+                  </a:ext>
+                </a:extLst>
+              </a:tr>
+              <a:tr h="190500">
+                <a:tc>
+                  <a:txBody>
+                    <a:bodyPr/>
+                    <a:lstStyle/>
+                    <a:p>
+                      <a:pPr algn="ctr" fontAlgn="b"/>
+                      <a:r>
+                        <a:rPr lang="es-ES" sz="1100" b="1" u="none" strike="noStrike">
+                          <a:solidFill>
+                            <a:schemeClr val="bg1"/>
+                          </a:solidFill>
+                          <a:effectLst/>
+                        </a:rPr>
+                        <a:t>Limite_inscripcion</a:t>
+                      </a:r>
+                      <a:endParaRPr lang="es-ES" sz="1100" b="1" i="0" u="none" strike="noStrike">
+                        <a:solidFill>
+                          <a:schemeClr val="bg1"/>
+                        </a:solidFill>
+                        <a:effectLst/>
+                        <a:latin typeface="Calibri" panose="020F0502020204030204" pitchFamily="34" charset="0"/>
+                      </a:endParaRPr>
+                    </a:p>
+                  </a:txBody>
+                  <a:tcPr marL="9525" marR="9525" marT="9525" marB="0" anchor="b"/>
+                </a:tc>
+                <a:tc>
+                  <a:txBody>
+                    <a:bodyPr/>
+                    <a:lstStyle/>
+                    <a:p>
+                      <a:pPr algn="ctr" fontAlgn="b"/>
+                      <a:r>
+                        <a:rPr lang="es-ES" sz="1100" b="1" u="none" strike="noStrike">
+                          <a:solidFill>
+                            <a:schemeClr val="bg1"/>
+                          </a:solidFill>
+                          <a:effectLst/>
+                        </a:rPr>
+                        <a:t>total_alumnos</a:t>
+                      </a:r>
+                      <a:endParaRPr lang="es-ES" sz="1100" b="1" i="0" u="none" strike="noStrike">
+                        <a:solidFill>
+                          <a:schemeClr val="bg1"/>
+                        </a:solidFill>
+                        <a:effectLst/>
+                        <a:latin typeface="Calibri" panose="020F0502020204030204" pitchFamily="34" charset="0"/>
+                      </a:endParaRPr>
+                    </a:p>
+                  </a:txBody>
+                  <a:tcPr marL="9525" marR="9525" marT="9525" marB="0" anchor="b"/>
+                </a:tc>
+                <a:tc>
+                  <a:txBody>
+                    <a:bodyPr/>
+                    <a:lstStyle/>
+                    <a:p>
+                      <a:pPr algn="ctr" fontAlgn="b"/>
+                      <a:r>
+                        <a:rPr lang="es-ES" sz="1100" b="1" u="none" strike="noStrike" dirty="0" err="1">
+                          <a:solidFill>
+                            <a:schemeClr val="bg1"/>
+                          </a:solidFill>
+                          <a:effectLst/>
+                        </a:rPr>
+                        <a:t>actividad_cod</a:t>
+                      </a:r>
+                      <a:endParaRPr lang="es-ES" sz="1100" b="1" i="0" u="none" strike="noStrike" dirty="0">
+                        <a:solidFill>
+                          <a:schemeClr val="bg1"/>
+                        </a:solidFill>
+                        <a:effectLst/>
+                        <a:latin typeface="Calibri" panose="020F0502020204030204" pitchFamily="34" charset="0"/>
+                      </a:endParaRPr>
+                    </a:p>
+                  </a:txBody>
+                  <a:tcPr marL="9525" marR="9525" marT="9525" marB="0" anchor="b"/>
+                </a:tc>
+                <a:tc>
+                  <a:txBody>
+                    <a:bodyPr/>
+                    <a:lstStyle/>
+                    <a:p>
+                      <a:pPr algn="ctr" fontAlgn="b"/>
+                      <a:r>
+                        <a:rPr lang="es-ES" sz="1100" b="1" u="sng" strike="noStrike" dirty="0">
+                          <a:solidFill>
+                            <a:schemeClr val="bg1"/>
+                          </a:solidFill>
+                          <a:effectLst/>
+                        </a:rPr>
+                        <a:t>precio</a:t>
+                      </a:r>
+                      <a:endParaRPr lang="es-ES" sz="1100" b="1" i="0" u="sng" strike="noStrike" dirty="0">
+                        <a:solidFill>
+                          <a:schemeClr val="bg1"/>
+                        </a:solidFill>
+                        <a:effectLst/>
+                        <a:latin typeface="Calibri" panose="020F0502020204030204" pitchFamily="34" charset="0"/>
+                      </a:endParaRPr>
+                    </a:p>
+                  </a:txBody>
+                  <a:tcPr marL="9525" marR="9525" marT="9525" marB="0" anchor="b"/>
+                </a:tc>
+                <a:tc>
+                  <a:txBody>
+                    <a:bodyPr/>
+                    <a:lstStyle/>
+                    <a:p>
+                      <a:pPr algn="ctr" fontAlgn="b"/>
+                      <a:r>
+                        <a:rPr lang="es-ES" sz="1100" b="1" u="none" strike="noStrike">
+                          <a:solidFill>
+                            <a:schemeClr val="bg1"/>
+                          </a:solidFill>
+                          <a:effectLst/>
+                        </a:rPr>
+                        <a:t>sala</a:t>
+                      </a:r>
+                      <a:endParaRPr lang="es-ES" sz="1100" b="1" i="0" u="none" strike="noStrike">
+                        <a:solidFill>
+                          <a:schemeClr val="bg1"/>
+                        </a:solidFill>
+                        <a:effectLst/>
+                        <a:latin typeface="Calibri" panose="020F0502020204030204" pitchFamily="34" charset="0"/>
+                      </a:endParaRPr>
+                    </a:p>
+                  </a:txBody>
+                  <a:tcPr marL="9525" marR="9525" marT="9525" marB="0" anchor="b"/>
+                </a:tc>
+                <a:tc>
+                  <a:txBody>
+                    <a:bodyPr/>
+                    <a:lstStyle/>
+                    <a:p>
+                      <a:pPr algn="ctr" fontAlgn="b"/>
+                      <a:r>
+                        <a:rPr lang="es-ES" sz="1100" b="1" u="none" strike="noStrike">
+                          <a:solidFill>
+                            <a:schemeClr val="bg1"/>
+                          </a:solidFill>
+                          <a:effectLst/>
+                        </a:rPr>
+                        <a:t>fecha hora</a:t>
+                      </a:r>
+                      <a:endParaRPr lang="es-ES" sz="1100" b="1" i="0" u="none" strike="noStrike">
+                        <a:solidFill>
+                          <a:schemeClr val="bg1"/>
+                        </a:solidFill>
+                        <a:effectLst/>
+                        <a:latin typeface="Calibri" panose="020F0502020204030204" pitchFamily="34" charset="0"/>
+                      </a:endParaRPr>
+                    </a:p>
+                  </a:txBody>
+                  <a:tcPr marL="9525" marR="9525" marT="9525" marB="0" anchor="b"/>
+                </a:tc>
+                <a:extLst>
+                  <a:ext uri="{0D108BD9-81ED-4DB2-BD59-A6C34878D82A}">
+                    <a16:rowId xmlns:a16="http://schemas.microsoft.com/office/drawing/2014/main" val="953165545"/>
+                  </a:ext>
+                </a:extLst>
+              </a:tr>
+              <a:tr h="190500">
+                <a:tc>
+                  <a:txBody>
+                    <a:bodyPr/>
+                    <a:lstStyle/>
+                    <a:p>
+                      <a:pPr algn="ctr" fontAlgn="b"/>
+                      <a:r>
+                        <a:rPr lang="es-ES" sz="1100" b="1" u="none" strike="noStrike">
+                          <a:solidFill>
+                            <a:schemeClr val="bg1"/>
+                          </a:solidFill>
+                          <a:effectLst/>
+                        </a:rPr>
+                        <a:t>20</a:t>
+                      </a:r>
+                      <a:endParaRPr lang="es-ES" sz="1100" b="1" i="0" u="none" strike="noStrike">
+                        <a:solidFill>
+                          <a:schemeClr val="bg1"/>
+                        </a:solidFill>
+                        <a:effectLst/>
+                        <a:latin typeface="Calibri" panose="020F0502020204030204" pitchFamily="34" charset="0"/>
+                      </a:endParaRPr>
+                    </a:p>
+                  </a:txBody>
+                  <a:tcPr marL="9525" marR="9525" marT="9525" marB="0" anchor="b"/>
+                </a:tc>
+                <a:tc>
+                  <a:txBody>
+                    <a:bodyPr/>
+                    <a:lstStyle/>
+                    <a:p>
+                      <a:pPr algn="ctr" fontAlgn="b"/>
+                      <a:r>
+                        <a:rPr lang="es-ES" sz="1100" b="1" u="none" strike="noStrike">
+                          <a:solidFill>
+                            <a:schemeClr val="bg1"/>
+                          </a:solidFill>
+                          <a:effectLst/>
+                        </a:rPr>
+                        <a:t>15</a:t>
+                      </a:r>
+                      <a:endParaRPr lang="es-ES" sz="1100" b="1" i="0" u="none" strike="noStrike">
+                        <a:solidFill>
+                          <a:schemeClr val="bg1"/>
+                        </a:solidFill>
+                        <a:effectLst/>
+                        <a:latin typeface="Calibri" panose="020F0502020204030204" pitchFamily="34" charset="0"/>
+                      </a:endParaRPr>
+                    </a:p>
+                  </a:txBody>
+                  <a:tcPr marL="9525" marR="9525" marT="9525" marB="0" anchor="b"/>
+                </a:tc>
+                <a:tc>
+                  <a:txBody>
+                    <a:bodyPr/>
+                    <a:lstStyle/>
+                    <a:p>
+                      <a:pPr algn="ctr" fontAlgn="b"/>
+                      <a:r>
+                        <a:rPr lang="es-ES" sz="1100" b="1" u="none" strike="noStrike">
+                          <a:solidFill>
+                            <a:schemeClr val="bg1"/>
+                          </a:solidFill>
+                          <a:effectLst/>
+                        </a:rPr>
+                        <a:t>1</a:t>
+                      </a:r>
+                      <a:endParaRPr lang="es-ES" sz="1100" b="1" i="0" u="none" strike="noStrike">
+                        <a:solidFill>
+                          <a:schemeClr val="bg1"/>
+                        </a:solidFill>
+                        <a:effectLst/>
+                        <a:latin typeface="Calibri" panose="020F0502020204030204" pitchFamily="34" charset="0"/>
+                      </a:endParaRPr>
+                    </a:p>
+                  </a:txBody>
+                  <a:tcPr marL="9525" marR="9525" marT="9525" marB="0" anchor="b"/>
+                </a:tc>
+                <a:tc>
+                  <a:txBody>
+                    <a:bodyPr/>
+                    <a:lstStyle/>
+                    <a:p>
+                      <a:pPr algn="ctr" fontAlgn="b"/>
+                      <a:r>
+                        <a:rPr lang="es-ES" sz="1100" b="1" u="sng" strike="noStrike" dirty="0">
+                          <a:solidFill>
+                            <a:schemeClr val="bg1"/>
+                          </a:solidFill>
+                          <a:effectLst/>
+                        </a:rPr>
+                        <a:t>1500</a:t>
+                      </a:r>
+                      <a:endParaRPr lang="es-ES" sz="1100" b="1" i="0" u="sng" strike="noStrike" dirty="0">
+                        <a:solidFill>
+                          <a:schemeClr val="bg1"/>
+                        </a:solidFill>
+                        <a:effectLst/>
+                        <a:latin typeface="Calibri" panose="020F0502020204030204" pitchFamily="34" charset="0"/>
+                      </a:endParaRPr>
+                    </a:p>
+                  </a:txBody>
+                  <a:tcPr marL="9525" marR="9525" marT="9525" marB="0" anchor="b"/>
+                </a:tc>
+                <a:tc>
+                  <a:txBody>
+                    <a:bodyPr/>
+                    <a:lstStyle/>
+                    <a:p>
+                      <a:pPr algn="ctr" fontAlgn="b"/>
+                      <a:r>
+                        <a:rPr lang="es-ES" sz="1100" b="1" u="none" strike="noStrike">
+                          <a:solidFill>
+                            <a:schemeClr val="bg1"/>
+                          </a:solidFill>
+                          <a:effectLst/>
+                        </a:rPr>
+                        <a:t>1</a:t>
+                      </a:r>
+                      <a:endParaRPr lang="es-ES" sz="1100" b="1" i="0" u="none" strike="noStrike">
+                        <a:solidFill>
+                          <a:schemeClr val="bg1"/>
+                        </a:solidFill>
+                        <a:effectLst/>
+                        <a:latin typeface="Calibri" panose="020F0502020204030204" pitchFamily="34" charset="0"/>
+                      </a:endParaRPr>
+                    </a:p>
+                  </a:txBody>
+                  <a:tcPr marL="9525" marR="9525" marT="9525" marB="0" anchor="b"/>
+                </a:tc>
+                <a:tc>
+                  <a:txBody>
+                    <a:bodyPr/>
+                    <a:lstStyle/>
+                    <a:p>
+                      <a:pPr algn="ctr" fontAlgn="b"/>
+                      <a:r>
+                        <a:rPr lang="es-ES" sz="1100" b="1" u="none" strike="noStrike">
+                          <a:solidFill>
+                            <a:schemeClr val="bg1"/>
+                          </a:solidFill>
+                          <a:effectLst/>
+                        </a:rPr>
+                        <a:t>25/12/2020</a:t>
+                      </a:r>
+                      <a:endParaRPr lang="es-ES" sz="1100" b="1" i="0" u="none" strike="noStrike">
+                        <a:solidFill>
+                          <a:schemeClr val="bg1"/>
+                        </a:solidFill>
+                        <a:effectLst/>
+                        <a:latin typeface="Calibri" panose="020F0502020204030204" pitchFamily="34" charset="0"/>
+                      </a:endParaRPr>
+                    </a:p>
+                  </a:txBody>
+                  <a:tcPr marL="9525" marR="9525" marT="9525" marB="0" anchor="b"/>
+                </a:tc>
+                <a:extLst>
+                  <a:ext uri="{0D108BD9-81ED-4DB2-BD59-A6C34878D82A}">
+                    <a16:rowId xmlns:a16="http://schemas.microsoft.com/office/drawing/2014/main" val="1214515618"/>
+                  </a:ext>
+                </a:extLst>
+              </a:tr>
+              <a:tr h="190500">
+                <a:tc>
+                  <a:txBody>
+                    <a:bodyPr/>
+                    <a:lstStyle/>
+                    <a:p>
+                      <a:pPr algn="ctr" fontAlgn="b"/>
+                      <a:r>
+                        <a:rPr lang="es-ES" sz="1100" b="1" u="none" strike="noStrike">
+                          <a:solidFill>
+                            <a:schemeClr val="bg1"/>
+                          </a:solidFill>
+                          <a:effectLst/>
+                        </a:rPr>
+                        <a:t>7</a:t>
+                      </a:r>
+                      <a:endParaRPr lang="es-ES" sz="1100" b="1" i="0" u="none" strike="noStrike">
+                        <a:solidFill>
+                          <a:schemeClr val="bg1"/>
+                        </a:solidFill>
+                        <a:effectLst/>
+                        <a:latin typeface="Calibri" panose="020F0502020204030204" pitchFamily="34" charset="0"/>
+                      </a:endParaRPr>
+                    </a:p>
+                  </a:txBody>
+                  <a:tcPr marL="9525" marR="9525" marT="9525" marB="0" anchor="b"/>
+                </a:tc>
+                <a:tc>
+                  <a:txBody>
+                    <a:bodyPr/>
+                    <a:lstStyle/>
+                    <a:p>
+                      <a:pPr algn="ctr" fontAlgn="b"/>
+                      <a:r>
+                        <a:rPr lang="es-ES" sz="1100" b="1" u="none" strike="noStrike">
+                          <a:solidFill>
+                            <a:schemeClr val="bg1"/>
+                          </a:solidFill>
+                          <a:effectLst/>
+                        </a:rPr>
+                        <a:t>7</a:t>
+                      </a:r>
+                      <a:endParaRPr lang="es-ES" sz="1100" b="1" i="0" u="none" strike="noStrike">
+                        <a:solidFill>
+                          <a:schemeClr val="bg1"/>
+                        </a:solidFill>
+                        <a:effectLst/>
+                        <a:latin typeface="Calibri" panose="020F0502020204030204" pitchFamily="34" charset="0"/>
+                      </a:endParaRPr>
+                    </a:p>
+                  </a:txBody>
+                  <a:tcPr marL="9525" marR="9525" marT="9525" marB="0" anchor="b"/>
+                </a:tc>
+                <a:tc>
+                  <a:txBody>
+                    <a:bodyPr/>
+                    <a:lstStyle/>
+                    <a:p>
+                      <a:pPr algn="ctr" fontAlgn="b"/>
+                      <a:r>
+                        <a:rPr lang="es-ES" sz="1100" b="1" u="none" strike="noStrike">
+                          <a:solidFill>
+                            <a:schemeClr val="bg1"/>
+                          </a:solidFill>
+                          <a:effectLst/>
+                        </a:rPr>
+                        <a:t>2</a:t>
+                      </a:r>
+                      <a:endParaRPr lang="es-ES" sz="1100" b="1" i="0" u="none" strike="noStrike">
+                        <a:solidFill>
+                          <a:schemeClr val="bg1"/>
+                        </a:solidFill>
+                        <a:effectLst/>
+                        <a:latin typeface="Calibri" panose="020F0502020204030204" pitchFamily="34" charset="0"/>
+                      </a:endParaRPr>
+                    </a:p>
+                  </a:txBody>
+                  <a:tcPr marL="9525" marR="9525" marT="9525" marB="0" anchor="b"/>
+                </a:tc>
+                <a:tc>
+                  <a:txBody>
+                    <a:bodyPr/>
+                    <a:lstStyle/>
+                    <a:p>
+                      <a:pPr algn="ctr" fontAlgn="b"/>
+                      <a:r>
+                        <a:rPr lang="es-ES" sz="1100" b="1" u="sng" strike="noStrike" dirty="0">
+                          <a:solidFill>
+                            <a:schemeClr val="bg1"/>
+                          </a:solidFill>
+                          <a:effectLst/>
+                        </a:rPr>
+                        <a:t>5000</a:t>
+                      </a:r>
+                      <a:endParaRPr lang="es-ES" sz="1100" b="1" i="0" u="sng" strike="noStrike" dirty="0">
+                        <a:solidFill>
+                          <a:schemeClr val="bg1"/>
+                        </a:solidFill>
+                        <a:effectLst/>
+                        <a:latin typeface="Calibri" panose="020F0502020204030204" pitchFamily="34" charset="0"/>
+                      </a:endParaRPr>
+                    </a:p>
+                  </a:txBody>
+                  <a:tcPr marL="9525" marR="9525" marT="9525" marB="0" anchor="b"/>
+                </a:tc>
+                <a:tc>
+                  <a:txBody>
+                    <a:bodyPr/>
+                    <a:lstStyle/>
+                    <a:p>
+                      <a:pPr algn="ctr" fontAlgn="b"/>
+                      <a:r>
+                        <a:rPr lang="es-ES" sz="1100" b="1" u="none" strike="noStrike">
+                          <a:solidFill>
+                            <a:schemeClr val="bg1"/>
+                          </a:solidFill>
+                          <a:effectLst/>
+                        </a:rPr>
+                        <a:t>1</a:t>
+                      </a:r>
+                      <a:endParaRPr lang="es-ES" sz="1100" b="1" i="0" u="none" strike="noStrike">
+                        <a:solidFill>
+                          <a:schemeClr val="bg1"/>
+                        </a:solidFill>
+                        <a:effectLst/>
+                        <a:latin typeface="Calibri" panose="020F0502020204030204" pitchFamily="34" charset="0"/>
+                      </a:endParaRPr>
+                    </a:p>
+                  </a:txBody>
+                  <a:tcPr marL="9525" marR="9525" marT="9525" marB="0" anchor="b"/>
+                </a:tc>
+                <a:tc>
+                  <a:txBody>
+                    <a:bodyPr/>
+                    <a:lstStyle/>
+                    <a:p>
+                      <a:pPr algn="ctr" fontAlgn="ctr"/>
+                      <a:r>
+                        <a:rPr lang="es-ES" sz="1100" b="1" u="none" strike="noStrike">
+                          <a:solidFill>
+                            <a:schemeClr val="bg1"/>
+                          </a:solidFill>
+                          <a:effectLst/>
+                        </a:rPr>
+                        <a:t>24/12/2020</a:t>
+                      </a:r>
+                      <a:endParaRPr lang="es-ES" sz="1100" b="1" i="0" u="none" strike="noStrike">
+                        <a:solidFill>
+                          <a:schemeClr val="bg1"/>
+                        </a:solidFill>
+                        <a:effectLst/>
+                        <a:latin typeface="Calibri" panose="020F0502020204030204" pitchFamily="34" charset="0"/>
+                      </a:endParaRPr>
+                    </a:p>
+                  </a:txBody>
+                  <a:tcPr marL="9525" marR="9525" marT="9525" marB="0" anchor="ctr"/>
+                </a:tc>
+                <a:extLst>
+                  <a:ext uri="{0D108BD9-81ED-4DB2-BD59-A6C34878D82A}">
+                    <a16:rowId xmlns:a16="http://schemas.microsoft.com/office/drawing/2014/main" val="240948076"/>
+                  </a:ext>
+                </a:extLst>
+              </a:tr>
+              <a:tr h="190500">
+                <a:tc>
+                  <a:txBody>
+                    <a:bodyPr/>
+                    <a:lstStyle/>
+                    <a:p>
+                      <a:pPr algn="ctr" fontAlgn="b"/>
+                      <a:r>
+                        <a:rPr lang="es-ES" sz="1100" b="1" u="none" strike="noStrike">
+                          <a:solidFill>
+                            <a:schemeClr val="bg1"/>
+                          </a:solidFill>
+                          <a:effectLst/>
+                        </a:rPr>
+                        <a:t>15</a:t>
+                      </a:r>
+                      <a:endParaRPr lang="es-ES" sz="1100" b="1" i="0" u="none" strike="noStrike">
+                        <a:solidFill>
+                          <a:schemeClr val="bg1"/>
+                        </a:solidFill>
+                        <a:effectLst/>
+                        <a:latin typeface="Calibri" panose="020F0502020204030204" pitchFamily="34" charset="0"/>
+                      </a:endParaRPr>
+                    </a:p>
+                  </a:txBody>
+                  <a:tcPr marL="9525" marR="9525" marT="9525" marB="0" anchor="b"/>
+                </a:tc>
+                <a:tc>
+                  <a:txBody>
+                    <a:bodyPr/>
+                    <a:lstStyle/>
+                    <a:p>
+                      <a:pPr algn="ctr" fontAlgn="b"/>
+                      <a:r>
+                        <a:rPr lang="es-ES" sz="1100" b="1" u="none" strike="noStrike">
+                          <a:solidFill>
+                            <a:schemeClr val="bg1"/>
+                          </a:solidFill>
+                          <a:effectLst/>
+                        </a:rPr>
+                        <a:t>14</a:t>
+                      </a:r>
+                      <a:endParaRPr lang="es-ES" sz="1100" b="1" i="0" u="none" strike="noStrike">
+                        <a:solidFill>
+                          <a:schemeClr val="bg1"/>
+                        </a:solidFill>
+                        <a:effectLst/>
+                        <a:latin typeface="Calibri" panose="020F0502020204030204" pitchFamily="34" charset="0"/>
+                      </a:endParaRPr>
+                    </a:p>
+                  </a:txBody>
+                  <a:tcPr marL="9525" marR="9525" marT="9525" marB="0" anchor="b"/>
+                </a:tc>
+                <a:tc>
+                  <a:txBody>
+                    <a:bodyPr/>
+                    <a:lstStyle/>
+                    <a:p>
+                      <a:pPr algn="ctr" fontAlgn="b"/>
+                      <a:r>
+                        <a:rPr lang="es-ES" sz="1100" b="1" u="none" strike="noStrike">
+                          <a:solidFill>
+                            <a:schemeClr val="bg1"/>
+                          </a:solidFill>
+                          <a:effectLst/>
+                        </a:rPr>
+                        <a:t>3</a:t>
+                      </a:r>
+                      <a:endParaRPr lang="es-ES" sz="1100" b="1" i="0" u="none" strike="noStrike">
+                        <a:solidFill>
+                          <a:schemeClr val="bg1"/>
+                        </a:solidFill>
+                        <a:effectLst/>
+                        <a:latin typeface="Calibri" panose="020F0502020204030204" pitchFamily="34" charset="0"/>
+                      </a:endParaRPr>
+                    </a:p>
+                  </a:txBody>
+                  <a:tcPr marL="9525" marR="9525" marT="9525" marB="0" anchor="b"/>
+                </a:tc>
+                <a:tc>
+                  <a:txBody>
+                    <a:bodyPr/>
+                    <a:lstStyle/>
+                    <a:p>
+                      <a:pPr algn="ctr" fontAlgn="b"/>
+                      <a:r>
+                        <a:rPr lang="es-ES" sz="1100" b="1" u="sng" strike="noStrike" dirty="0">
+                          <a:solidFill>
+                            <a:schemeClr val="bg1"/>
+                          </a:solidFill>
+                          <a:effectLst/>
+                        </a:rPr>
+                        <a:t>1500</a:t>
+                      </a:r>
+                      <a:endParaRPr lang="es-ES" sz="1100" b="1" i="0" u="sng" strike="noStrike" dirty="0">
+                        <a:solidFill>
+                          <a:schemeClr val="bg1"/>
+                        </a:solidFill>
+                        <a:effectLst/>
+                        <a:latin typeface="Calibri" panose="020F0502020204030204" pitchFamily="34" charset="0"/>
+                      </a:endParaRPr>
+                    </a:p>
+                  </a:txBody>
+                  <a:tcPr marL="9525" marR="9525" marT="9525" marB="0" anchor="b"/>
+                </a:tc>
+                <a:tc>
+                  <a:txBody>
+                    <a:bodyPr/>
+                    <a:lstStyle/>
+                    <a:p>
+                      <a:pPr algn="ctr" fontAlgn="b"/>
+                      <a:r>
+                        <a:rPr lang="es-ES" sz="1100" b="1" u="none" strike="noStrike" dirty="0">
+                          <a:solidFill>
+                            <a:schemeClr val="bg1"/>
+                          </a:solidFill>
+                          <a:effectLst/>
+                        </a:rPr>
+                        <a:t>2</a:t>
+                      </a:r>
+                      <a:endParaRPr lang="es-ES" sz="1100" b="1" i="0" u="none" strike="noStrike" dirty="0">
+                        <a:solidFill>
+                          <a:schemeClr val="bg1"/>
+                        </a:solidFill>
+                        <a:effectLst/>
+                        <a:latin typeface="Calibri" panose="020F0502020204030204" pitchFamily="34" charset="0"/>
+                      </a:endParaRPr>
+                    </a:p>
+                  </a:txBody>
+                  <a:tcPr marL="9525" marR="9525" marT="9525" marB="0" anchor="b"/>
+                </a:tc>
+                <a:tc>
+                  <a:txBody>
+                    <a:bodyPr/>
+                    <a:lstStyle/>
+                    <a:p>
+                      <a:pPr algn="ctr" fontAlgn="ctr"/>
+                      <a:r>
+                        <a:rPr lang="es-ES" sz="1100" b="1" u="none" strike="noStrike">
+                          <a:solidFill>
+                            <a:schemeClr val="bg1"/>
+                          </a:solidFill>
+                          <a:effectLst/>
+                        </a:rPr>
+                        <a:t>23/12/2020</a:t>
+                      </a:r>
+                      <a:endParaRPr lang="es-ES" sz="1100" b="1" i="0" u="none" strike="noStrike">
+                        <a:solidFill>
+                          <a:schemeClr val="bg1"/>
+                        </a:solidFill>
+                        <a:effectLst/>
+                        <a:latin typeface="Calibri" panose="020F0502020204030204" pitchFamily="34" charset="0"/>
+                      </a:endParaRPr>
+                    </a:p>
+                  </a:txBody>
+                  <a:tcPr marL="9525" marR="9525" marT="9525" marB="0" anchor="ctr"/>
+                </a:tc>
+                <a:extLst>
+                  <a:ext uri="{0D108BD9-81ED-4DB2-BD59-A6C34878D82A}">
+                    <a16:rowId xmlns:a16="http://schemas.microsoft.com/office/drawing/2014/main" val="2462015639"/>
+                  </a:ext>
+                </a:extLst>
+              </a:tr>
+              <a:tr h="190500">
+                <a:tc>
+                  <a:txBody>
+                    <a:bodyPr/>
+                    <a:lstStyle/>
+                    <a:p>
+                      <a:pPr algn="ctr" fontAlgn="b"/>
+                      <a:r>
+                        <a:rPr lang="es-ES" sz="1100" b="1" u="none" strike="noStrike">
+                          <a:solidFill>
+                            <a:schemeClr val="bg1"/>
+                          </a:solidFill>
+                          <a:effectLst/>
+                        </a:rPr>
+                        <a:t>15</a:t>
+                      </a:r>
+                      <a:endParaRPr lang="es-ES" sz="1100" b="1" i="0" u="none" strike="noStrike">
+                        <a:solidFill>
+                          <a:schemeClr val="bg1"/>
+                        </a:solidFill>
+                        <a:effectLst/>
+                        <a:latin typeface="Calibri" panose="020F0502020204030204" pitchFamily="34" charset="0"/>
+                      </a:endParaRPr>
+                    </a:p>
+                  </a:txBody>
+                  <a:tcPr marL="9525" marR="9525" marT="9525" marB="0" anchor="b"/>
+                </a:tc>
+                <a:tc>
+                  <a:txBody>
+                    <a:bodyPr/>
+                    <a:lstStyle/>
+                    <a:p>
+                      <a:pPr algn="ctr" fontAlgn="b"/>
+                      <a:r>
+                        <a:rPr lang="es-ES" sz="1100" b="1" u="none" strike="noStrike">
+                          <a:solidFill>
+                            <a:schemeClr val="bg1"/>
+                          </a:solidFill>
+                          <a:effectLst/>
+                        </a:rPr>
+                        <a:t>13</a:t>
+                      </a:r>
+                      <a:endParaRPr lang="es-ES" sz="1100" b="1" i="0" u="none" strike="noStrike">
+                        <a:solidFill>
+                          <a:schemeClr val="bg1"/>
+                        </a:solidFill>
+                        <a:effectLst/>
+                        <a:latin typeface="Calibri" panose="020F0502020204030204" pitchFamily="34" charset="0"/>
+                      </a:endParaRPr>
+                    </a:p>
+                  </a:txBody>
+                  <a:tcPr marL="9525" marR="9525" marT="9525" marB="0" anchor="b"/>
+                </a:tc>
+                <a:tc>
+                  <a:txBody>
+                    <a:bodyPr/>
+                    <a:lstStyle/>
+                    <a:p>
+                      <a:pPr algn="ctr" fontAlgn="b"/>
+                      <a:r>
+                        <a:rPr lang="es-ES" sz="1100" b="1" u="none" strike="noStrike">
+                          <a:solidFill>
+                            <a:schemeClr val="bg1"/>
+                          </a:solidFill>
+                          <a:effectLst/>
+                        </a:rPr>
+                        <a:t>4</a:t>
+                      </a:r>
+                      <a:endParaRPr lang="es-ES" sz="1100" b="1" i="0" u="none" strike="noStrike">
+                        <a:solidFill>
+                          <a:schemeClr val="bg1"/>
+                        </a:solidFill>
+                        <a:effectLst/>
+                        <a:latin typeface="Calibri" panose="020F0502020204030204" pitchFamily="34" charset="0"/>
+                      </a:endParaRPr>
+                    </a:p>
+                  </a:txBody>
+                  <a:tcPr marL="9525" marR="9525" marT="9525" marB="0" anchor="b"/>
+                </a:tc>
+                <a:tc>
+                  <a:txBody>
+                    <a:bodyPr/>
+                    <a:lstStyle/>
+                    <a:p>
+                      <a:pPr algn="ctr" fontAlgn="b"/>
+                      <a:r>
+                        <a:rPr lang="es-ES" sz="1100" b="1" u="sng" strike="noStrike">
+                          <a:solidFill>
+                            <a:schemeClr val="bg1"/>
+                          </a:solidFill>
+                          <a:effectLst/>
+                        </a:rPr>
+                        <a:t>2000</a:t>
+                      </a:r>
+                      <a:endParaRPr lang="es-ES" sz="1100" b="1" i="0" u="sng" strike="noStrike">
+                        <a:solidFill>
+                          <a:schemeClr val="bg1"/>
+                        </a:solidFill>
+                        <a:effectLst/>
+                        <a:latin typeface="Calibri" panose="020F0502020204030204" pitchFamily="34" charset="0"/>
+                      </a:endParaRPr>
+                    </a:p>
+                  </a:txBody>
+                  <a:tcPr marL="9525" marR="9525" marT="9525" marB="0" anchor="b"/>
+                </a:tc>
+                <a:tc>
+                  <a:txBody>
+                    <a:bodyPr/>
+                    <a:lstStyle/>
+                    <a:p>
+                      <a:pPr algn="ctr" fontAlgn="b"/>
+                      <a:r>
+                        <a:rPr lang="es-ES" sz="1100" b="1" u="none" strike="noStrike" dirty="0">
+                          <a:solidFill>
+                            <a:schemeClr val="bg1"/>
+                          </a:solidFill>
+                          <a:effectLst/>
+                        </a:rPr>
+                        <a:t>3</a:t>
+                      </a:r>
+                      <a:endParaRPr lang="es-ES" sz="1100" b="1" i="0" u="none" strike="noStrike" dirty="0">
+                        <a:solidFill>
+                          <a:schemeClr val="bg1"/>
+                        </a:solidFill>
+                        <a:effectLst/>
+                        <a:latin typeface="Calibri" panose="020F0502020204030204" pitchFamily="34" charset="0"/>
+                      </a:endParaRPr>
+                    </a:p>
+                  </a:txBody>
+                  <a:tcPr marL="9525" marR="9525" marT="9525" marB="0" anchor="b"/>
+                </a:tc>
+                <a:tc>
+                  <a:txBody>
+                    <a:bodyPr/>
+                    <a:lstStyle/>
+                    <a:p>
+                      <a:pPr algn="ctr" fontAlgn="b"/>
+                      <a:r>
+                        <a:rPr lang="es-ES" sz="1100" b="1" u="none" strike="noStrike" dirty="0">
+                          <a:solidFill>
+                            <a:schemeClr val="bg1"/>
+                          </a:solidFill>
+                          <a:effectLst/>
+                        </a:rPr>
+                        <a:t>23/12/2020</a:t>
+                      </a:r>
+                      <a:endParaRPr lang="es-ES" sz="1100" b="1" i="0" u="none" strike="noStrike" dirty="0">
+                        <a:solidFill>
+                          <a:schemeClr val="bg1"/>
+                        </a:solidFill>
+                        <a:effectLst/>
+                        <a:latin typeface="Calibri" panose="020F0502020204030204" pitchFamily="34" charset="0"/>
+                      </a:endParaRPr>
+                    </a:p>
+                  </a:txBody>
+                  <a:tcPr marL="9525" marR="9525" marT="9525" marB="0" anchor="b"/>
+                </a:tc>
+                <a:extLst>
+                  <a:ext uri="{0D108BD9-81ED-4DB2-BD59-A6C34878D82A}">
+                    <a16:rowId xmlns:a16="http://schemas.microsoft.com/office/drawing/2014/main" val="1450123293"/>
+                  </a:ext>
+                </a:extLst>
+              </a:tr>
+            </a:tbl>
+          </a:graphicData>
+        </a:graphic>
+      </p:graphicFrame>
+      <p:graphicFrame>
+        <p:nvGraphicFramePr>
+          <p:cNvPr id="7" name="Tabla 6">
+            <a:extLst>
+              <a:ext uri="{FF2B5EF4-FFF2-40B4-BE49-F238E27FC236}">
+                <a16:creationId xmlns:a16="http://schemas.microsoft.com/office/drawing/2014/main" id="{E48ED56A-EC0F-4AFC-83C4-8B2BC9F36E3E}"/>
+              </a:ext>
+            </a:extLst>
+          </p:cNvPr>
+          <p:cNvGraphicFramePr>
+            <a:graphicFrameLocks noGrp="1"/>
+          </p:cNvGraphicFramePr>
+          <p:nvPr>
+            <p:extLst>
+              <p:ext uri="{D42A27DB-BD31-4B8C-83A1-F6EECF244321}">
+                <p14:modId xmlns:p14="http://schemas.microsoft.com/office/powerpoint/2010/main" val="511973892"/>
+              </p:ext>
+            </p:extLst>
+          </p:nvPr>
+        </p:nvGraphicFramePr>
+        <p:xfrm>
+          <a:off x="6607266" y="1982017"/>
+          <a:ext cx="2362200" cy="952500"/>
+        </p:xfrm>
+        <a:graphic>
+          <a:graphicData uri="http://schemas.openxmlformats.org/drawingml/2006/table">
+            <a:tbl>
+              <a:tblPr>
+                <a:tableStyleId>{BC89EF96-8CEA-46FF-86C4-4CE0E7609802}</a:tableStyleId>
+              </a:tblPr>
+              <a:tblGrid>
+                <a:gridCol w="1323975">
+                  <a:extLst>
+                    <a:ext uri="{9D8B030D-6E8A-4147-A177-3AD203B41FA5}">
+                      <a16:colId xmlns:a16="http://schemas.microsoft.com/office/drawing/2014/main" val="652364282"/>
+                    </a:ext>
+                  </a:extLst>
+                </a:gridCol>
+                <a:gridCol w="1038225">
+                  <a:extLst>
+                    <a:ext uri="{9D8B030D-6E8A-4147-A177-3AD203B41FA5}">
+                      <a16:colId xmlns:a16="http://schemas.microsoft.com/office/drawing/2014/main" val="3653407796"/>
+                    </a:ext>
+                  </a:extLst>
+                </a:gridCol>
+              </a:tblGrid>
+              <a:tr h="190500">
+                <a:tc gridSpan="2">
+                  <a:txBody>
+                    <a:bodyPr/>
+                    <a:lstStyle/>
+                    <a:p>
+                      <a:pPr algn="ctr" fontAlgn="b"/>
+                      <a:r>
+                        <a:rPr lang="es-ES" sz="1100" b="1" u="none" strike="noStrike" dirty="0">
+                          <a:solidFill>
+                            <a:schemeClr val="bg1"/>
+                          </a:solidFill>
+                          <a:effectLst/>
+                        </a:rPr>
+                        <a:t>salas</a:t>
+                      </a:r>
+                      <a:endParaRPr lang="es-ES" sz="1100" b="1" i="0" u="none" strike="noStrike" dirty="0">
+                        <a:solidFill>
+                          <a:schemeClr val="bg1"/>
+                        </a:solidFill>
+                        <a:effectLst/>
+                        <a:latin typeface="Calibri" panose="020F0502020204030204" pitchFamily="34" charset="0"/>
+                      </a:endParaRPr>
+                    </a:p>
+                  </a:txBody>
+                  <a:tcPr marL="9525" marR="9525" marT="9525" marB="0" anchor="b"/>
+                </a:tc>
+                <a:tc hMerge="1">
+                  <a:txBody>
+                    <a:bodyPr/>
+                    <a:lstStyle/>
+                    <a:p>
+                      <a:endParaRPr lang="es-CR"/>
+                    </a:p>
+                  </a:txBody>
+                  <a:tcPr/>
+                </a:tc>
+                <a:extLst>
+                  <a:ext uri="{0D108BD9-81ED-4DB2-BD59-A6C34878D82A}">
+                    <a16:rowId xmlns:a16="http://schemas.microsoft.com/office/drawing/2014/main" val="1164952629"/>
+                  </a:ext>
+                </a:extLst>
+              </a:tr>
+              <a:tr h="190500">
+                <a:tc>
+                  <a:txBody>
+                    <a:bodyPr/>
+                    <a:lstStyle/>
+                    <a:p>
+                      <a:pPr algn="ctr" fontAlgn="b"/>
+                      <a:r>
+                        <a:rPr lang="es-ES" sz="1100" b="1" u="none" strike="noStrike" dirty="0" err="1">
+                          <a:solidFill>
+                            <a:schemeClr val="bg1"/>
+                          </a:solidFill>
+                          <a:effectLst/>
+                        </a:rPr>
+                        <a:t>sala_id</a:t>
+                      </a:r>
+                      <a:endParaRPr lang="es-ES" sz="1100" b="1" i="0" u="none" strike="noStrike" dirty="0">
+                        <a:solidFill>
+                          <a:schemeClr val="bg1"/>
+                        </a:solidFill>
+                        <a:effectLst/>
+                        <a:latin typeface="Calibri" panose="020F0502020204030204" pitchFamily="34" charset="0"/>
+                      </a:endParaRPr>
+                    </a:p>
+                  </a:txBody>
+                  <a:tcPr marL="9525" marR="9525" marT="9525" marB="0" anchor="b"/>
+                </a:tc>
+                <a:tc>
+                  <a:txBody>
+                    <a:bodyPr/>
+                    <a:lstStyle/>
+                    <a:p>
+                      <a:pPr algn="ctr" fontAlgn="b"/>
+                      <a:r>
+                        <a:rPr lang="es-ES" sz="1100" b="1" u="none" strike="noStrike" dirty="0">
+                          <a:solidFill>
+                            <a:schemeClr val="bg1"/>
+                          </a:solidFill>
+                          <a:effectLst/>
+                        </a:rPr>
+                        <a:t>sala</a:t>
+                      </a:r>
+                      <a:endParaRPr lang="es-ES" sz="1100" b="1" i="0" u="none" strike="noStrike" dirty="0">
+                        <a:solidFill>
+                          <a:schemeClr val="bg1"/>
+                        </a:solidFill>
+                        <a:effectLst/>
+                        <a:latin typeface="Calibri" panose="020F0502020204030204" pitchFamily="34" charset="0"/>
+                      </a:endParaRPr>
+                    </a:p>
+                  </a:txBody>
+                  <a:tcPr marL="9525" marR="9525" marT="9525" marB="0" anchor="b"/>
+                </a:tc>
+                <a:extLst>
+                  <a:ext uri="{0D108BD9-81ED-4DB2-BD59-A6C34878D82A}">
+                    <a16:rowId xmlns:a16="http://schemas.microsoft.com/office/drawing/2014/main" val="166434947"/>
+                  </a:ext>
+                </a:extLst>
+              </a:tr>
+              <a:tr h="190500">
+                <a:tc>
+                  <a:txBody>
+                    <a:bodyPr/>
+                    <a:lstStyle/>
+                    <a:p>
+                      <a:pPr algn="ctr" fontAlgn="b"/>
+                      <a:r>
+                        <a:rPr lang="es-ES" sz="1100" b="1" u="none" strike="noStrike" dirty="0">
+                          <a:solidFill>
+                            <a:schemeClr val="bg1"/>
+                          </a:solidFill>
+                          <a:effectLst/>
+                        </a:rPr>
+                        <a:t>1</a:t>
+                      </a:r>
+                      <a:endParaRPr lang="es-ES" sz="1100" b="1" i="0" u="none" strike="noStrike" dirty="0">
+                        <a:solidFill>
+                          <a:schemeClr val="bg1"/>
+                        </a:solidFill>
+                        <a:effectLst/>
+                        <a:latin typeface="Calibri" panose="020F0502020204030204" pitchFamily="34" charset="0"/>
+                      </a:endParaRPr>
+                    </a:p>
+                  </a:txBody>
+                  <a:tcPr marL="9525" marR="9525" marT="9525" marB="0" anchor="b"/>
+                </a:tc>
+                <a:tc>
+                  <a:txBody>
+                    <a:bodyPr/>
+                    <a:lstStyle/>
+                    <a:p>
+                      <a:pPr algn="ctr" fontAlgn="b"/>
+                      <a:r>
+                        <a:rPr lang="es-ES" sz="1100" b="1" u="none" strike="noStrike" dirty="0">
+                          <a:solidFill>
+                            <a:schemeClr val="bg1"/>
+                          </a:solidFill>
+                          <a:effectLst/>
+                        </a:rPr>
+                        <a:t>sala 1</a:t>
+                      </a:r>
+                      <a:endParaRPr lang="es-ES" sz="1100" b="1" i="0" u="none" strike="noStrike" dirty="0">
+                        <a:solidFill>
+                          <a:schemeClr val="bg1"/>
+                        </a:solidFill>
+                        <a:effectLst/>
+                        <a:latin typeface="Calibri" panose="020F0502020204030204" pitchFamily="34" charset="0"/>
+                      </a:endParaRPr>
+                    </a:p>
+                  </a:txBody>
+                  <a:tcPr marL="9525" marR="9525" marT="9525" marB="0" anchor="b"/>
+                </a:tc>
+                <a:extLst>
+                  <a:ext uri="{0D108BD9-81ED-4DB2-BD59-A6C34878D82A}">
+                    <a16:rowId xmlns:a16="http://schemas.microsoft.com/office/drawing/2014/main" val="367063501"/>
+                  </a:ext>
+                </a:extLst>
+              </a:tr>
+              <a:tr h="190500">
+                <a:tc>
+                  <a:txBody>
+                    <a:bodyPr/>
+                    <a:lstStyle/>
+                    <a:p>
+                      <a:pPr algn="ctr" fontAlgn="b"/>
+                      <a:r>
+                        <a:rPr lang="es-ES" sz="1100" b="1" u="none" strike="noStrike" dirty="0">
+                          <a:solidFill>
+                            <a:schemeClr val="bg1"/>
+                          </a:solidFill>
+                          <a:effectLst/>
+                        </a:rPr>
+                        <a:t>2</a:t>
+                      </a:r>
+                      <a:endParaRPr lang="es-ES" sz="1100" b="1" i="0" u="none" strike="noStrike" dirty="0">
+                        <a:solidFill>
+                          <a:schemeClr val="bg1"/>
+                        </a:solidFill>
+                        <a:effectLst/>
+                        <a:latin typeface="Calibri" panose="020F0502020204030204" pitchFamily="34" charset="0"/>
+                      </a:endParaRPr>
+                    </a:p>
+                  </a:txBody>
+                  <a:tcPr marL="9525" marR="9525" marT="9525" marB="0" anchor="b"/>
+                </a:tc>
+                <a:tc>
+                  <a:txBody>
+                    <a:bodyPr/>
+                    <a:lstStyle/>
+                    <a:p>
+                      <a:pPr algn="ctr" fontAlgn="b"/>
+                      <a:r>
+                        <a:rPr lang="es-ES" sz="1100" b="1" u="none" strike="noStrike">
+                          <a:solidFill>
+                            <a:schemeClr val="bg1"/>
+                          </a:solidFill>
+                          <a:effectLst/>
+                        </a:rPr>
+                        <a:t>sala 2</a:t>
+                      </a:r>
+                      <a:endParaRPr lang="es-ES" sz="1100" b="1" i="0" u="none" strike="noStrike">
+                        <a:solidFill>
+                          <a:schemeClr val="bg1"/>
+                        </a:solidFill>
+                        <a:effectLst/>
+                        <a:latin typeface="Calibri" panose="020F0502020204030204" pitchFamily="34" charset="0"/>
+                      </a:endParaRPr>
+                    </a:p>
+                  </a:txBody>
+                  <a:tcPr marL="9525" marR="9525" marT="9525" marB="0" anchor="b"/>
+                </a:tc>
+                <a:extLst>
+                  <a:ext uri="{0D108BD9-81ED-4DB2-BD59-A6C34878D82A}">
+                    <a16:rowId xmlns:a16="http://schemas.microsoft.com/office/drawing/2014/main" val="446340191"/>
+                  </a:ext>
+                </a:extLst>
+              </a:tr>
+              <a:tr h="190500">
+                <a:tc>
+                  <a:txBody>
+                    <a:bodyPr/>
+                    <a:lstStyle/>
+                    <a:p>
+                      <a:pPr algn="ctr" fontAlgn="b"/>
+                      <a:r>
+                        <a:rPr lang="es-ES" sz="1100" b="1" u="none" strike="noStrike" dirty="0">
+                          <a:solidFill>
+                            <a:schemeClr val="bg1"/>
+                          </a:solidFill>
+                          <a:effectLst/>
+                        </a:rPr>
+                        <a:t>3</a:t>
+                      </a:r>
+                      <a:endParaRPr lang="es-ES" sz="1100" b="1" i="0" u="none" strike="noStrike" dirty="0">
+                        <a:solidFill>
+                          <a:schemeClr val="bg1"/>
+                        </a:solidFill>
+                        <a:effectLst/>
+                        <a:latin typeface="Calibri" panose="020F0502020204030204" pitchFamily="34" charset="0"/>
+                      </a:endParaRPr>
+                    </a:p>
+                  </a:txBody>
+                  <a:tcPr marL="9525" marR="9525" marT="9525" marB="0" anchor="b"/>
+                </a:tc>
+                <a:tc>
+                  <a:txBody>
+                    <a:bodyPr/>
+                    <a:lstStyle/>
+                    <a:p>
+                      <a:pPr algn="ctr" fontAlgn="b"/>
+                      <a:r>
+                        <a:rPr lang="es-ES" sz="1100" b="1" u="none" strike="noStrike" dirty="0">
+                          <a:solidFill>
+                            <a:schemeClr val="bg1"/>
+                          </a:solidFill>
+                          <a:effectLst/>
+                        </a:rPr>
+                        <a:t>sala 3</a:t>
+                      </a:r>
+                      <a:endParaRPr lang="es-ES" sz="1100" b="1" i="0" u="none" strike="noStrike" dirty="0">
+                        <a:solidFill>
+                          <a:schemeClr val="bg1"/>
+                        </a:solidFill>
+                        <a:effectLst/>
+                        <a:latin typeface="Calibri" panose="020F0502020204030204" pitchFamily="34" charset="0"/>
+                      </a:endParaRPr>
+                    </a:p>
+                  </a:txBody>
+                  <a:tcPr marL="9525" marR="9525" marT="9525" marB="0" anchor="b"/>
+                </a:tc>
+                <a:extLst>
+                  <a:ext uri="{0D108BD9-81ED-4DB2-BD59-A6C34878D82A}">
+                    <a16:rowId xmlns:a16="http://schemas.microsoft.com/office/drawing/2014/main" val="3007942952"/>
+                  </a:ext>
+                </a:extLst>
+              </a:tr>
+            </a:tbl>
+          </a:graphicData>
+        </a:graphic>
+      </p:graphicFrame>
+      <p:graphicFrame>
+        <p:nvGraphicFramePr>
+          <p:cNvPr id="8" name="Tabla 7">
+            <a:extLst>
+              <a:ext uri="{FF2B5EF4-FFF2-40B4-BE49-F238E27FC236}">
+                <a16:creationId xmlns:a16="http://schemas.microsoft.com/office/drawing/2014/main" id="{70DAFD45-042F-4E04-8580-A790ED8AA84D}"/>
+              </a:ext>
+            </a:extLst>
+          </p:cNvPr>
+          <p:cNvGraphicFramePr>
+            <a:graphicFrameLocks noGrp="1"/>
+          </p:cNvGraphicFramePr>
+          <p:nvPr>
+            <p:extLst>
+              <p:ext uri="{D42A27DB-BD31-4B8C-83A1-F6EECF244321}">
+                <p14:modId xmlns:p14="http://schemas.microsoft.com/office/powerpoint/2010/main" val="2974763414"/>
+              </p:ext>
+            </p:extLst>
+          </p:nvPr>
+        </p:nvGraphicFramePr>
+        <p:xfrm>
+          <a:off x="2688770" y="4912451"/>
+          <a:ext cx="6045201" cy="1143000"/>
+        </p:xfrm>
+        <a:graphic>
+          <a:graphicData uri="http://schemas.openxmlformats.org/drawingml/2006/table">
+            <a:tbl>
+              <a:tblPr>
+                <a:tableStyleId>{BC89EF96-8CEA-46FF-86C4-4CE0E7609802}</a:tableStyleId>
+              </a:tblPr>
+              <a:tblGrid>
+                <a:gridCol w="1601883">
+                  <a:extLst>
+                    <a:ext uri="{9D8B030D-6E8A-4147-A177-3AD203B41FA5}">
+                      <a16:colId xmlns:a16="http://schemas.microsoft.com/office/drawing/2014/main" val="1770439526"/>
+                    </a:ext>
+                  </a:extLst>
+                </a:gridCol>
+                <a:gridCol w="1668628">
+                  <a:extLst>
+                    <a:ext uri="{9D8B030D-6E8A-4147-A177-3AD203B41FA5}">
+                      <a16:colId xmlns:a16="http://schemas.microsoft.com/office/drawing/2014/main" val="127901180"/>
+                    </a:ext>
+                  </a:extLst>
+                </a:gridCol>
+                <a:gridCol w="1230017">
+                  <a:extLst>
+                    <a:ext uri="{9D8B030D-6E8A-4147-A177-3AD203B41FA5}">
+                      <a16:colId xmlns:a16="http://schemas.microsoft.com/office/drawing/2014/main" val="4199404546"/>
+                    </a:ext>
+                  </a:extLst>
+                </a:gridCol>
+                <a:gridCol w="1544673">
+                  <a:extLst>
+                    <a:ext uri="{9D8B030D-6E8A-4147-A177-3AD203B41FA5}">
+                      <a16:colId xmlns:a16="http://schemas.microsoft.com/office/drawing/2014/main" val="738961603"/>
+                    </a:ext>
+                  </a:extLst>
+                </a:gridCol>
+              </a:tblGrid>
+              <a:tr h="190500">
+                <a:tc gridSpan="4">
+                  <a:txBody>
+                    <a:bodyPr/>
+                    <a:lstStyle/>
+                    <a:p>
+                      <a:pPr algn="ctr" fontAlgn="b"/>
+                      <a:r>
+                        <a:rPr lang="es-ES" sz="1100" b="1" u="none" strike="noStrike" dirty="0" err="1">
+                          <a:solidFill>
+                            <a:schemeClr val="bg1"/>
+                          </a:solidFill>
+                          <a:effectLst/>
+                        </a:rPr>
+                        <a:t>clase_de_alumno</a:t>
+                      </a:r>
+                      <a:endParaRPr lang="es-ES" sz="1100" b="1" i="0" u="none" strike="noStrike" dirty="0">
+                        <a:solidFill>
+                          <a:schemeClr val="bg1"/>
+                        </a:solidFill>
+                        <a:effectLst/>
+                        <a:latin typeface="Calibri" panose="020F0502020204030204" pitchFamily="34" charset="0"/>
+                      </a:endParaRPr>
+                    </a:p>
+                  </a:txBody>
+                  <a:tcPr marL="9525" marR="9525" marT="9525" marB="0" anchor="b"/>
+                </a:tc>
+                <a:tc hMerge="1">
+                  <a:txBody>
+                    <a:bodyPr/>
+                    <a:lstStyle/>
+                    <a:p>
+                      <a:endParaRPr lang="es-CR"/>
+                    </a:p>
+                  </a:txBody>
+                  <a:tcPr/>
+                </a:tc>
+                <a:tc hMerge="1">
+                  <a:txBody>
+                    <a:bodyPr/>
+                    <a:lstStyle/>
+                    <a:p>
+                      <a:endParaRPr lang="es-CR"/>
+                    </a:p>
+                  </a:txBody>
+                  <a:tcPr/>
+                </a:tc>
+                <a:tc hMerge="1">
+                  <a:txBody>
+                    <a:bodyPr/>
+                    <a:lstStyle/>
+                    <a:p>
+                      <a:endParaRPr lang="es-CR"/>
+                    </a:p>
+                  </a:txBody>
+                  <a:tcPr/>
+                </a:tc>
+                <a:extLst>
+                  <a:ext uri="{0D108BD9-81ED-4DB2-BD59-A6C34878D82A}">
+                    <a16:rowId xmlns:a16="http://schemas.microsoft.com/office/drawing/2014/main" val="399757363"/>
+                  </a:ext>
+                </a:extLst>
+              </a:tr>
+              <a:tr h="190500">
+                <a:tc>
+                  <a:txBody>
+                    <a:bodyPr/>
+                    <a:lstStyle/>
+                    <a:p>
+                      <a:pPr algn="ctr" fontAlgn="b"/>
+                      <a:r>
+                        <a:rPr lang="es-ES" sz="1100" b="1" u="none" strike="noStrike">
+                          <a:solidFill>
+                            <a:schemeClr val="bg1"/>
+                          </a:solidFill>
+                          <a:effectLst/>
+                        </a:rPr>
+                        <a:t>clase_de_alumno_id</a:t>
+                      </a:r>
+                      <a:endParaRPr lang="es-ES" sz="1100" b="1" i="0" u="none" strike="noStrike">
+                        <a:solidFill>
+                          <a:schemeClr val="bg1"/>
+                        </a:solidFill>
+                        <a:effectLst/>
+                        <a:latin typeface="Calibri" panose="020F0502020204030204" pitchFamily="34" charset="0"/>
+                      </a:endParaRPr>
+                    </a:p>
+                  </a:txBody>
+                  <a:tcPr marL="9525" marR="9525" marT="9525" marB="0" anchor="b"/>
+                </a:tc>
+                <a:tc>
+                  <a:txBody>
+                    <a:bodyPr/>
+                    <a:lstStyle/>
+                    <a:p>
+                      <a:pPr algn="ctr" fontAlgn="b"/>
+                      <a:r>
+                        <a:rPr lang="es-ES" sz="1100" b="1" u="none" strike="noStrike">
+                          <a:solidFill>
+                            <a:schemeClr val="bg1"/>
+                          </a:solidFill>
+                          <a:effectLst/>
+                        </a:rPr>
+                        <a:t>actividad_cod</a:t>
+                      </a:r>
+                      <a:endParaRPr lang="es-ES" sz="1100" b="1" i="0" u="none" strike="noStrike">
+                        <a:solidFill>
+                          <a:schemeClr val="bg1"/>
+                        </a:solidFill>
+                        <a:effectLst/>
+                        <a:latin typeface="Calibri" panose="020F0502020204030204" pitchFamily="34" charset="0"/>
+                      </a:endParaRPr>
+                    </a:p>
+                  </a:txBody>
+                  <a:tcPr marL="9525" marR="9525" marT="9525" marB="0" anchor="b"/>
+                </a:tc>
+                <a:tc>
+                  <a:txBody>
+                    <a:bodyPr/>
+                    <a:lstStyle/>
+                    <a:p>
+                      <a:pPr algn="ctr" fontAlgn="b"/>
+                      <a:r>
+                        <a:rPr lang="es-ES" sz="1100" b="1" u="none" strike="noStrike">
+                          <a:solidFill>
+                            <a:schemeClr val="bg1"/>
+                          </a:solidFill>
+                          <a:effectLst/>
+                        </a:rPr>
+                        <a:t>alumno_id</a:t>
+                      </a:r>
+                      <a:endParaRPr lang="es-ES" sz="1100" b="1" i="0" u="none" strike="noStrike">
+                        <a:solidFill>
+                          <a:schemeClr val="bg1"/>
+                        </a:solidFill>
+                        <a:effectLst/>
+                        <a:latin typeface="Calibri" panose="020F0502020204030204" pitchFamily="34" charset="0"/>
+                      </a:endParaRPr>
+                    </a:p>
+                  </a:txBody>
+                  <a:tcPr marL="9525" marR="9525" marT="9525" marB="0" anchor="b"/>
+                </a:tc>
+                <a:tc>
+                  <a:txBody>
+                    <a:bodyPr/>
+                    <a:lstStyle/>
+                    <a:p>
+                      <a:pPr algn="ctr" fontAlgn="b"/>
+                      <a:r>
+                        <a:rPr lang="es-ES" sz="1100" b="1" u="none" strike="noStrike">
+                          <a:solidFill>
+                            <a:schemeClr val="bg1"/>
+                          </a:solidFill>
+                          <a:effectLst/>
+                        </a:rPr>
+                        <a:t>fecha hora</a:t>
+                      </a:r>
+                      <a:endParaRPr lang="es-ES" sz="1100" b="1" i="0" u="none" strike="noStrike">
+                        <a:solidFill>
+                          <a:schemeClr val="bg1"/>
+                        </a:solidFill>
+                        <a:effectLst/>
+                        <a:latin typeface="Calibri" panose="020F0502020204030204" pitchFamily="34" charset="0"/>
+                      </a:endParaRPr>
+                    </a:p>
+                  </a:txBody>
+                  <a:tcPr marL="9525" marR="9525" marT="9525" marB="0" anchor="b"/>
+                </a:tc>
+                <a:extLst>
+                  <a:ext uri="{0D108BD9-81ED-4DB2-BD59-A6C34878D82A}">
+                    <a16:rowId xmlns:a16="http://schemas.microsoft.com/office/drawing/2014/main" val="101570272"/>
+                  </a:ext>
+                </a:extLst>
+              </a:tr>
+              <a:tr h="190500">
+                <a:tc>
+                  <a:txBody>
+                    <a:bodyPr/>
+                    <a:lstStyle/>
+                    <a:p>
+                      <a:pPr algn="ctr" fontAlgn="b"/>
+                      <a:r>
+                        <a:rPr lang="es-ES" sz="1100" b="1" u="none" strike="noStrike">
+                          <a:solidFill>
+                            <a:schemeClr val="bg1"/>
+                          </a:solidFill>
+                          <a:effectLst/>
+                        </a:rPr>
+                        <a:t>1</a:t>
+                      </a:r>
+                      <a:endParaRPr lang="es-ES" sz="1100" b="1" i="0" u="none" strike="noStrike">
+                        <a:solidFill>
+                          <a:schemeClr val="bg1"/>
+                        </a:solidFill>
+                        <a:effectLst/>
+                        <a:latin typeface="Calibri" panose="020F0502020204030204" pitchFamily="34" charset="0"/>
+                      </a:endParaRPr>
+                    </a:p>
+                  </a:txBody>
+                  <a:tcPr marL="9525" marR="9525" marT="9525" marB="0" anchor="b"/>
+                </a:tc>
+                <a:tc>
+                  <a:txBody>
+                    <a:bodyPr/>
+                    <a:lstStyle/>
+                    <a:p>
+                      <a:pPr algn="ctr" fontAlgn="b"/>
+                      <a:r>
+                        <a:rPr lang="es-ES" sz="1100" b="1" u="none" strike="noStrike" dirty="0">
+                          <a:solidFill>
+                            <a:schemeClr val="bg1"/>
+                          </a:solidFill>
+                          <a:effectLst/>
+                        </a:rPr>
+                        <a:t>1</a:t>
+                      </a:r>
+                      <a:endParaRPr lang="es-ES" sz="1100" b="1" i="0" u="none" strike="noStrike" dirty="0">
+                        <a:solidFill>
+                          <a:schemeClr val="bg1"/>
+                        </a:solidFill>
+                        <a:effectLst/>
+                        <a:latin typeface="Calibri" panose="020F0502020204030204" pitchFamily="34" charset="0"/>
+                      </a:endParaRPr>
+                    </a:p>
+                  </a:txBody>
+                  <a:tcPr marL="9525" marR="9525" marT="9525" marB="0" anchor="b"/>
+                </a:tc>
+                <a:tc>
+                  <a:txBody>
+                    <a:bodyPr/>
+                    <a:lstStyle/>
+                    <a:p>
+                      <a:pPr algn="ctr" fontAlgn="b"/>
+                      <a:r>
+                        <a:rPr lang="es-ES" sz="1100" b="1" u="none" strike="noStrike">
+                          <a:solidFill>
+                            <a:schemeClr val="bg1"/>
+                          </a:solidFill>
+                          <a:effectLst/>
+                        </a:rPr>
+                        <a:t>1</a:t>
+                      </a:r>
+                      <a:endParaRPr lang="es-ES" sz="1100" b="1" i="0" u="none" strike="noStrike">
+                        <a:solidFill>
+                          <a:schemeClr val="bg1"/>
+                        </a:solidFill>
+                        <a:effectLst/>
+                        <a:latin typeface="Calibri" panose="020F0502020204030204" pitchFamily="34" charset="0"/>
+                      </a:endParaRPr>
+                    </a:p>
+                  </a:txBody>
+                  <a:tcPr marL="9525" marR="9525" marT="9525" marB="0" anchor="b"/>
+                </a:tc>
+                <a:tc>
+                  <a:txBody>
+                    <a:bodyPr/>
+                    <a:lstStyle/>
+                    <a:p>
+                      <a:pPr algn="ctr" fontAlgn="b"/>
+                      <a:r>
+                        <a:rPr lang="es-ES" sz="1100" b="1" u="none" strike="noStrike">
+                          <a:solidFill>
+                            <a:schemeClr val="bg1"/>
+                          </a:solidFill>
+                          <a:effectLst/>
+                        </a:rPr>
+                        <a:t>25/12/2020</a:t>
+                      </a:r>
+                      <a:endParaRPr lang="es-ES" sz="1100" b="1" i="0" u="none" strike="noStrike">
+                        <a:solidFill>
+                          <a:schemeClr val="bg1"/>
+                        </a:solidFill>
+                        <a:effectLst/>
+                        <a:latin typeface="Calibri" panose="020F0502020204030204" pitchFamily="34" charset="0"/>
+                      </a:endParaRPr>
+                    </a:p>
+                  </a:txBody>
+                  <a:tcPr marL="9525" marR="9525" marT="9525" marB="0" anchor="b"/>
+                </a:tc>
+                <a:extLst>
+                  <a:ext uri="{0D108BD9-81ED-4DB2-BD59-A6C34878D82A}">
+                    <a16:rowId xmlns:a16="http://schemas.microsoft.com/office/drawing/2014/main" val="2120723838"/>
+                  </a:ext>
+                </a:extLst>
+              </a:tr>
+              <a:tr h="190500">
+                <a:tc>
+                  <a:txBody>
+                    <a:bodyPr/>
+                    <a:lstStyle/>
+                    <a:p>
+                      <a:pPr algn="ctr" fontAlgn="b"/>
+                      <a:r>
+                        <a:rPr lang="es-ES" sz="1100" b="1" u="none" strike="noStrike">
+                          <a:solidFill>
+                            <a:schemeClr val="bg1"/>
+                          </a:solidFill>
+                          <a:effectLst/>
+                        </a:rPr>
+                        <a:t>2</a:t>
+                      </a:r>
+                      <a:endParaRPr lang="es-ES" sz="1100" b="1" i="0" u="none" strike="noStrike">
+                        <a:solidFill>
+                          <a:schemeClr val="bg1"/>
+                        </a:solidFill>
+                        <a:effectLst/>
+                        <a:latin typeface="Calibri" panose="020F0502020204030204" pitchFamily="34" charset="0"/>
+                      </a:endParaRPr>
+                    </a:p>
+                  </a:txBody>
+                  <a:tcPr marL="9525" marR="9525" marT="9525" marB="0" anchor="b"/>
+                </a:tc>
+                <a:tc>
+                  <a:txBody>
+                    <a:bodyPr/>
+                    <a:lstStyle/>
+                    <a:p>
+                      <a:pPr algn="ctr" fontAlgn="b"/>
+                      <a:r>
+                        <a:rPr lang="es-ES" sz="1100" b="1" u="none" strike="noStrike">
+                          <a:solidFill>
+                            <a:schemeClr val="bg1"/>
+                          </a:solidFill>
+                          <a:effectLst/>
+                        </a:rPr>
+                        <a:t>2</a:t>
+                      </a:r>
+                      <a:endParaRPr lang="es-ES" sz="1100" b="1" i="0" u="none" strike="noStrike">
+                        <a:solidFill>
+                          <a:schemeClr val="bg1"/>
+                        </a:solidFill>
+                        <a:effectLst/>
+                        <a:latin typeface="Calibri" panose="020F0502020204030204" pitchFamily="34" charset="0"/>
+                      </a:endParaRPr>
+                    </a:p>
+                  </a:txBody>
+                  <a:tcPr marL="9525" marR="9525" marT="9525" marB="0" anchor="b"/>
+                </a:tc>
+                <a:tc>
+                  <a:txBody>
+                    <a:bodyPr/>
+                    <a:lstStyle/>
+                    <a:p>
+                      <a:pPr algn="ctr" fontAlgn="b"/>
+                      <a:r>
+                        <a:rPr lang="es-ES" sz="1100" b="1" u="none" strike="noStrike">
+                          <a:solidFill>
+                            <a:schemeClr val="bg1"/>
+                          </a:solidFill>
+                          <a:effectLst/>
+                        </a:rPr>
+                        <a:t>2</a:t>
+                      </a:r>
+                      <a:endParaRPr lang="es-ES" sz="1100" b="1" i="0" u="none" strike="noStrike">
+                        <a:solidFill>
+                          <a:schemeClr val="bg1"/>
+                        </a:solidFill>
+                        <a:effectLst/>
+                        <a:latin typeface="Calibri" panose="020F0502020204030204" pitchFamily="34" charset="0"/>
+                      </a:endParaRPr>
+                    </a:p>
+                  </a:txBody>
+                  <a:tcPr marL="9525" marR="9525" marT="9525" marB="0" anchor="b"/>
+                </a:tc>
+                <a:tc>
+                  <a:txBody>
+                    <a:bodyPr/>
+                    <a:lstStyle/>
+                    <a:p>
+                      <a:pPr algn="ctr" fontAlgn="ctr"/>
+                      <a:r>
+                        <a:rPr lang="es-ES" sz="1100" b="1" u="none" strike="noStrike" dirty="0">
+                          <a:solidFill>
+                            <a:schemeClr val="bg1"/>
+                          </a:solidFill>
+                          <a:effectLst/>
+                        </a:rPr>
+                        <a:t>24/12/2020</a:t>
+                      </a:r>
+                      <a:endParaRPr lang="es-ES" sz="1100" b="1" i="0" u="none" strike="noStrike" dirty="0">
+                        <a:solidFill>
+                          <a:schemeClr val="bg1"/>
+                        </a:solidFill>
+                        <a:effectLst/>
+                        <a:latin typeface="Calibri" panose="020F0502020204030204" pitchFamily="34" charset="0"/>
+                      </a:endParaRPr>
+                    </a:p>
+                  </a:txBody>
+                  <a:tcPr marL="9525" marR="9525" marT="9525" marB="0" anchor="ctr"/>
+                </a:tc>
+                <a:extLst>
+                  <a:ext uri="{0D108BD9-81ED-4DB2-BD59-A6C34878D82A}">
+                    <a16:rowId xmlns:a16="http://schemas.microsoft.com/office/drawing/2014/main" val="319482564"/>
+                  </a:ext>
+                </a:extLst>
+              </a:tr>
+              <a:tr h="190500">
+                <a:tc>
+                  <a:txBody>
+                    <a:bodyPr/>
+                    <a:lstStyle/>
+                    <a:p>
+                      <a:pPr algn="ctr" fontAlgn="b"/>
+                      <a:r>
+                        <a:rPr lang="es-ES" sz="1100" b="1" u="none" strike="noStrike">
+                          <a:solidFill>
+                            <a:schemeClr val="bg1"/>
+                          </a:solidFill>
+                          <a:effectLst/>
+                        </a:rPr>
+                        <a:t>3</a:t>
+                      </a:r>
+                      <a:endParaRPr lang="es-ES" sz="1100" b="1" i="0" u="none" strike="noStrike">
+                        <a:solidFill>
+                          <a:schemeClr val="bg1"/>
+                        </a:solidFill>
+                        <a:effectLst/>
+                        <a:latin typeface="Calibri" panose="020F0502020204030204" pitchFamily="34" charset="0"/>
+                      </a:endParaRPr>
+                    </a:p>
+                  </a:txBody>
+                  <a:tcPr marL="9525" marR="9525" marT="9525" marB="0" anchor="b"/>
+                </a:tc>
+                <a:tc>
+                  <a:txBody>
+                    <a:bodyPr/>
+                    <a:lstStyle/>
+                    <a:p>
+                      <a:pPr algn="ctr" fontAlgn="b"/>
+                      <a:r>
+                        <a:rPr lang="es-ES" sz="1100" b="1" u="none" strike="noStrike" dirty="0">
+                          <a:solidFill>
+                            <a:schemeClr val="bg1"/>
+                          </a:solidFill>
+                          <a:effectLst/>
+                        </a:rPr>
+                        <a:t>3</a:t>
+                      </a:r>
+                      <a:endParaRPr lang="es-ES" sz="1100" b="1" i="0" u="none" strike="noStrike" dirty="0">
+                        <a:solidFill>
+                          <a:schemeClr val="bg1"/>
+                        </a:solidFill>
+                        <a:effectLst/>
+                        <a:latin typeface="Calibri" panose="020F0502020204030204" pitchFamily="34" charset="0"/>
+                      </a:endParaRPr>
+                    </a:p>
+                  </a:txBody>
+                  <a:tcPr marL="9525" marR="9525" marT="9525" marB="0" anchor="b"/>
+                </a:tc>
+                <a:tc>
+                  <a:txBody>
+                    <a:bodyPr/>
+                    <a:lstStyle/>
+                    <a:p>
+                      <a:pPr algn="ctr" fontAlgn="b"/>
+                      <a:r>
+                        <a:rPr lang="es-ES" sz="1100" b="1" u="none" strike="noStrike">
+                          <a:solidFill>
+                            <a:schemeClr val="bg1"/>
+                          </a:solidFill>
+                          <a:effectLst/>
+                        </a:rPr>
+                        <a:t>2</a:t>
+                      </a:r>
+                      <a:endParaRPr lang="es-ES" sz="1100" b="1" i="0" u="none" strike="noStrike">
+                        <a:solidFill>
+                          <a:schemeClr val="bg1"/>
+                        </a:solidFill>
+                        <a:effectLst/>
+                        <a:latin typeface="Calibri" panose="020F0502020204030204" pitchFamily="34" charset="0"/>
+                      </a:endParaRPr>
+                    </a:p>
+                  </a:txBody>
+                  <a:tcPr marL="9525" marR="9525" marT="9525" marB="0" anchor="b"/>
+                </a:tc>
+                <a:tc>
+                  <a:txBody>
+                    <a:bodyPr/>
+                    <a:lstStyle/>
+                    <a:p>
+                      <a:pPr algn="ctr" fontAlgn="ctr"/>
+                      <a:r>
+                        <a:rPr lang="es-ES" sz="1100" b="1" u="none" strike="noStrike">
+                          <a:solidFill>
+                            <a:schemeClr val="bg1"/>
+                          </a:solidFill>
+                          <a:effectLst/>
+                        </a:rPr>
+                        <a:t>23/12/2020</a:t>
+                      </a:r>
+                      <a:endParaRPr lang="es-ES" sz="1100" b="1" i="0" u="none" strike="noStrike">
+                        <a:solidFill>
+                          <a:schemeClr val="bg1"/>
+                        </a:solidFill>
+                        <a:effectLst/>
+                        <a:latin typeface="Calibri" panose="020F0502020204030204" pitchFamily="34" charset="0"/>
+                      </a:endParaRPr>
+                    </a:p>
+                  </a:txBody>
+                  <a:tcPr marL="9525" marR="9525" marT="9525" marB="0" anchor="ctr"/>
+                </a:tc>
+                <a:extLst>
+                  <a:ext uri="{0D108BD9-81ED-4DB2-BD59-A6C34878D82A}">
+                    <a16:rowId xmlns:a16="http://schemas.microsoft.com/office/drawing/2014/main" val="3027511794"/>
+                  </a:ext>
+                </a:extLst>
+              </a:tr>
+              <a:tr h="190500">
+                <a:tc>
+                  <a:txBody>
+                    <a:bodyPr/>
+                    <a:lstStyle/>
+                    <a:p>
+                      <a:pPr algn="ctr" fontAlgn="b"/>
+                      <a:r>
+                        <a:rPr lang="es-ES" sz="1100" b="1" u="none" strike="noStrike">
+                          <a:solidFill>
+                            <a:schemeClr val="bg1"/>
+                          </a:solidFill>
+                          <a:effectLst/>
+                        </a:rPr>
+                        <a:t>4</a:t>
+                      </a:r>
+                      <a:endParaRPr lang="es-ES" sz="1100" b="1" i="0" u="none" strike="noStrike">
+                        <a:solidFill>
+                          <a:schemeClr val="bg1"/>
+                        </a:solidFill>
+                        <a:effectLst/>
+                        <a:latin typeface="Calibri" panose="020F0502020204030204" pitchFamily="34" charset="0"/>
+                      </a:endParaRPr>
+                    </a:p>
+                  </a:txBody>
+                  <a:tcPr marL="9525" marR="9525" marT="9525" marB="0" anchor="b"/>
+                </a:tc>
+                <a:tc>
+                  <a:txBody>
+                    <a:bodyPr/>
+                    <a:lstStyle/>
+                    <a:p>
+                      <a:pPr algn="ctr" fontAlgn="b"/>
+                      <a:r>
+                        <a:rPr lang="es-ES" sz="1100" b="1" u="none" strike="noStrike" dirty="0">
+                          <a:solidFill>
+                            <a:schemeClr val="bg1"/>
+                          </a:solidFill>
+                          <a:effectLst/>
+                        </a:rPr>
+                        <a:t>4</a:t>
+                      </a:r>
+                      <a:endParaRPr lang="es-ES" sz="1100" b="1" i="0" u="none" strike="noStrike" dirty="0">
+                        <a:solidFill>
+                          <a:schemeClr val="bg1"/>
+                        </a:solidFill>
+                        <a:effectLst/>
+                        <a:latin typeface="Calibri" panose="020F0502020204030204" pitchFamily="34" charset="0"/>
+                      </a:endParaRPr>
+                    </a:p>
+                  </a:txBody>
+                  <a:tcPr marL="9525" marR="9525" marT="9525" marB="0" anchor="b"/>
+                </a:tc>
+                <a:tc>
+                  <a:txBody>
+                    <a:bodyPr/>
+                    <a:lstStyle/>
+                    <a:p>
+                      <a:pPr algn="ctr" fontAlgn="b"/>
+                      <a:r>
+                        <a:rPr lang="es-ES" sz="1100" b="1" u="none" strike="noStrike" dirty="0">
+                          <a:solidFill>
+                            <a:schemeClr val="bg1"/>
+                          </a:solidFill>
+                          <a:effectLst/>
+                        </a:rPr>
+                        <a:t>4</a:t>
+                      </a:r>
+                      <a:endParaRPr lang="es-ES" sz="1100" b="1" i="0" u="none" strike="noStrike" dirty="0">
+                        <a:solidFill>
+                          <a:schemeClr val="bg1"/>
+                        </a:solidFill>
+                        <a:effectLst/>
+                        <a:latin typeface="Calibri" panose="020F0502020204030204" pitchFamily="34" charset="0"/>
+                      </a:endParaRPr>
+                    </a:p>
+                  </a:txBody>
+                  <a:tcPr marL="9525" marR="9525" marT="9525" marB="0" anchor="b"/>
+                </a:tc>
+                <a:tc>
+                  <a:txBody>
+                    <a:bodyPr/>
+                    <a:lstStyle/>
+                    <a:p>
+                      <a:pPr algn="ctr" fontAlgn="b"/>
+                      <a:r>
+                        <a:rPr lang="es-ES" sz="1100" b="1" u="none" strike="noStrike" dirty="0">
+                          <a:solidFill>
+                            <a:schemeClr val="bg1"/>
+                          </a:solidFill>
+                          <a:effectLst/>
+                        </a:rPr>
+                        <a:t>23/12/2020</a:t>
+                      </a:r>
+                      <a:endParaRPr lang="es-ES" sz="1100" b="1" i="0" u="none" strike="noStrike" dirty="0">
+                        <a:solidFill>
+                          <a:schemeClr val="bg1"/>
+                        </a:solidFill>
+                        <a:effectLst/>
+                        <a:latin typeface="Calibri" panose="020F0502020204030204" pitchFamily="34" charset="0"/>
+                      </a:endParaRPr>
+                    </a:p>
+                  </a:txBody>
+                  <a:tcPr marL="9525" marR="9525" marT="9525" marB="0" anchor="b"/>
+                </a:tc>
+                <a:extLst>
+                  <a:ext uri="{0D108BD9-81ED-4DB2-BD59-A6C34878D82A}">
+                    <a16:rowId xmlns:a16="http://schemas.microsoft.com/office/drawing/2014/main" val="1680855072"/>
+                  </a:ext>
+                </a:extLst>
+              </a:tr>
+            </a:tbl>
+          </a:graphicData>
+        </a:graphic>
+      </p:graphicFrame>
+    </p:spTree>
+    <p:extLst>
+      <p:ext uri="{BB962C8B-B14F-4D97-AF65-F5344CB8AC3E}">
+        <p14:creationId xmlns:p14="http://schemas.microsoft.com/office/powerpoint/2010/main" val="90599106"/>
+      </p:ext>
+    </p:extLst>
+  </p:cSld>
+  <p:clrMapOvr>
+    <a:masterClrMapping/>
+  </p:clrMapOvr>
+</p:sld>
+</file>
+
+<file path=ppt/slides/slide7.xml><?xml version="1.0" encoding="utf-8"?>
 <p:sld xmlns:a="http://schemas.openxmlformats.org/drawingml/2006/main" xmlns:r="http://schemas.openxmlformats.org/officeDocument/2006/relationships" xmlns:p="http://schemas.openxmlformats.org/presentationml/2006/main">
   <p:cSld>
     <p:bg>
